--- a/doc/editor.pptx
+++ b/doc/editor.pptx
@@ -104,6 +104,11 @@
       </a:defRPr>
     </a:lvl9pPr>
   </p:defaultTextStyle>
+  <p:extLst>
+    <p:ext uri="{EFAFB233-063F-42B5-8137-9DF3F51BA10A}">
+      <p15:sldGuideLst xmlns:p15="http://schemas.microsoft.com/office/powerpoint/2012/main"/>
+    </p:ext>
+  </p:extLst>
 </p:presentation>
 </file>
 
@@ -256,7 +261,7 @@
           <a:p>
             <a:fld id="{6E919959-57B7-4836-B2A5-8618707C523E}" type="datetimeFigureOut">
               <a:rPr lang="en-AU" smtClean="0"/>
-              <a:t>24/06/2019</a:t>
+              <a:t>25/06/2019</a:t>
             </a:fld>
             <a:endParaRPr lang="en-AU"/>
           </a:p>
@@ -456,7 +461,7 @@
           <a:p>
             <a:fld id="{6E919959-57B7-4836-B2A5-8618707C523E}" type="datetimeFigureOut">
               <a:rPr lang="en-AU" smtClean="0"/>
-              <a:t>24/06/2019</a:t>
+              <a:t>25/06/2019</a:t>
             </a:fld>
             <a:endParaRPr lang="en-AU"/>
           </a:p>
@@ -666,7 +671,7 @@
           <a:p>
             <a:fld id="{6E919959-57B7-4836-B2A5-8618707C523E}" type="datetimeFigureOut">
               <a:rPr lang="en-AU" smtClean="0"/>
-              <a:t>24/06/2019</a:t>
+              <a:t>25/06/2019</a:t>
             </a:fld>
             <a:endParaRPr lang="en-AU"/>
           </a:p>
@@ -866,7 +871,7 @@
           <a:p>
             <a:fld id="{6E919959-57B7-4836-B2A5-8618707C523E}" type="datetimeFigureOut">
               <a:rPr lang="en-AU" smtClean="0"/>
-              <a:t>24/06/2019</a:t>
+              <a:t>25/06/2019</a:t>
             </a:fld>
             <a:endParaRPr lang="en-AU"/>
           </a:p>
@@ -1142,7 +1147,7 @@
           <a:p>
             <a:fld id="{6E919959-57B7-4836-B2A5-8618707C523E}" type="datetimeFigureOut">
               <a:rPr lang="en-AU" smtClean="0"/>
-              <a:t>24/06/2019</a:t>
+              <a:t>25/06/2019</a:t>
             </a:fld>
             <a:endParaRPr lang="en-AU"/>
           </a:p>
@@ -1410,7 +1415,7 @@
           <a:p>
             <a:fld id="{6E919959-57B7-4836-B2A5-8618707C523E}" type="datetimeFigureOut">
               <a:rPr lang="en-AU" smtClean="0"/>
-              <a:t>24/06/2019</a:t>
+              <a:t>25/06/2019</a:t>
             </a:fld>
             <a:endParaRPr lang="en-AU"/>
           </a:p>
@@ -1825,7 +1830,7 @@
           <a:p>
             <a:fld id="{6E919959-57B7-4836-B2A5-8618707C523E}" type="datetimeFigureOut">
               <a:rPr lang="en-AU" smtClean="0"/>
-              <a:t>24/06/2019</a:t>
+              <a:t>25/06/2019</a:t>
             </a:fld>
             <a:endParaRPr lang="en-AU"/>
           </a:p>
@@ -1967,7 +1972,7 @@
           <a:p>
             <a:fld id="{6E919959-57B7-4836-B2A5-8618707C523E}" type="datetimeFigureOut">
               <a:rPr lang="en-AU" smtClean="0"/>
-              <a:t>24/06/2019</a:t>
+              <a:t>25/06/2019</a:t>
             </a:fld>
             <a:endParaRPr lang="en-AU"/>
           </a:p>
@@ -2080,7 +2085,7 @@
           <a:p>
             <a:fld id="{6E919959-57B7-4836-B2A5-8618707C523E}" type="datetimeFigureOut">
               <a:rPr lang="en-AU" smtClean="0"/>
-              <a:t>24/06/2019</a:t>
+              <a:t>25/06/2019</a:t>
             </a:fld>
             <a:endParaRPr lang="en-AU"/>
           </a:p>
@@ -2393,7 +2398,7 @@
           <a:p>
             <a:fld id="{6E919959-57B7-4836-B2A5-8618707C523E}" type="datetimeFigureOut">
               <a:rPr lang="en-AU" smtClean="0"/>
-              <a:t>24/06/2019</a:t>
+              <a:t>25/06/2019</a:t>
             </a:fld>
             <a:endParaRPr lang="en-AU"/>
           </a:p>
@@ -2682,7 +2687,7 @@
           <a:p>
             <a:fld id="{6E919959-57B7-4836-B2A5-8618707C523E}" type="datetimeFigureOut">
               <a:rPr lang="en-AU" smtClean="0"/>
-              <a:t>24/06/2019</a:t>
+              <a:t>25/06/2019</a:t>
             </a:fld>
             <a:endParaRPr lang="en-AU"/>
           </a:p>
@@ -2925,7 +2930,7 @@
           <a:p>
             <a:fld id="{6E919959-57B7-4836-B2A5-8618707C523E}" type="datetimeFigureOut">
               <a:rPr lang="en-AU" smtClean="0"/>
-              <a:t>24/06/2019</a:t>
+              <a:t>25/06/2019</a:t>
             </a:fld>
             <a:endParaRPr lang="en-AU"/>
           </a:p>
@@ -3356,7 +3361,7 @@
         </p:nvSpPr>
         <p:spPr>
           <a:xfrm>
-            <a:off x="110532" y="87087"/>
+            <a:off x="110532" y="199529"/>
             <a:ext cx="11887214" cy="6564922"/>
           </a:xfrm>
           <a:prstGeom prst="rect">
@@ -3402,8 +3407,8 @@
         </p:nvSpPr>
         <p:spPr>
           <a:xfrm>
-            <a:off x="194254" y="481495"/>
-            <a:ext cx="3278326" cy="3018681"/>
+            <a:off x="194254" y="1092410"/>
+            <a:ext cx="3278326" cy="2407765"/>
           </a:xfrm>
           <a:prstGeom prst="rect">
             <a:avLst/>
@@ -3448,12 +3453,20 @@
         </p:nvSpPr>
         <p:spPr>
           <a:xfrm>
-            <a:off x="3651524" y="887108"/>
-            <a:ext cx="3278326" cy="2613069"/>
+            <a:off x="3651524" y="1460335"/>
+            <a:ext cx="4735454" cy="2039843"/>
           </a:xfrm>
           <a:prstGeom prst="rect">
             <a:avLst/>
           </a:prstGeom>
+          <a:ln w="38100">
+            <a:solidFill>
+              <a:schemeClr val="accent4">
+                <a:lumMod val="60000"/>
+                <a:lumOff val="40000"/>
+              </a:schemeClr>
+            </a:solidFill>
+          </a:ln>
         </p:spPr>
         <p:style>
           <a:lnRef idx="1">
@@ -3475,7 +3488,7 @@
           <a:p>
             <a:r>
               <a:rPr lang="en-AU" dirty="0"/>
-              <a:t>Scene</a:t>
+              <a:t>Scene 1</a:t>
             </a:r>
           </a:p>
         </p:txBody>
@@ -3494,8 +3507,8 @@
         </p:nvSpPr>
         <p:spPr>
           <a:xfrm>
-            <a:off x="3651524" y="481495"/>
-            <a:ext cx="3278326" cy="298289"/>
+            <a:off x="3638801" y="1072731"/>
+            <a:ext cx="4783982" cy="283112"/>
           </a:xfrm>
           <a:prstGeom prst="rect">
             <a:avLst/>
@@ -3545,12 +3558,20 @@
         </p:nvSpPr>
         <p:spPr>
           <a:xfrm>
-            <a:off x="335922" y="934401"/>
+            <a:off x="331596" y="1454969"/>
             <a:ext cx="980846" cy="699681"/>
           </a:xfrm>
           <a:prstGeom prst="rect">
             <a:avLst/>
           </a:prstGeom>
+          <a:ln w="38100">
+            <a:solidFill>
+              <a:schemeClr val="accent4">
+                <a:lumMod val="60000"/>
+                <a:lumOff val="40000"/>
+              </a:schemeClr>
+            </a:solidFill>
+          </a:ln>
         </p:spPr>
         <p:style>
           <a:lnRef idx="2">
@@ -3593,7 +3614,7 @@
         </p:nvSpPr>
         <p:spPr>
           <a:xfrm>
-            <a:off x="1342994" y="934399"/>
+            <a:off x="1338668" y="1454967"/>
             <a:ext cx="980846" cy="699681"/>
           </a:xfrm>
           <a:prstGeom prst="rect">
@@ -3645,7 +3666,7 @@
         </p:nvSpPr>
         <p:spPr>
           <a:xfrm>
-            <a:off x="2350066" y="934398"/>
+            <a:off x="2345740" y="1454966"/>
             <a:ext cx="980846" cy="699681"/>
           </a:xfrm>
           <a:prstGeom prst="rect">
@@ -3693,7 +3714,7 @@
         </p:nvSpPr>
         <p:spPr>
           <a:xfrm>
-            <a:off x="335922" y="1665855"/>
+            <a:off x="331596" y="2186423"/>
             <a:ext cx="980846" cy="699681"/>
           </a:xfrm>
           <a:prstGeom prst="rect">
@@ -3741,7 +3762,7 @@
         </p:nvSpPr>
         <p:spPr>
           <a:xfrm>
-            <a:off x="1342994" y="1665853"/>
+            <a:off x="1338668" y="2186421"/>
             <a:ext cx="980846" cy="699681"/>
           </a:xfrm>
           <a:prstGeom prst="rect">
@@ -3789,7 +3810,7 @@
         </p:nvSpPr>
         <p:spPr>
           <a:xfrm>
-            <a:off x="2350066" y="1665852"/>
+            <a:off x="2345740" y="2186420"/>
             <a:ext cx="980846" cy="699681"/>
           </a:xfrm>
           <a:prstGeom prst="rect">
@@ -3884,7 +3905,7 @@
         </p:nvSpPr>
         <p:spPr>
           <a:xfrm>
-            <a:off x="2454776" y="1746307"/>
+            <a:off x="2428851" y="1610222"/>
             <a:ext cx="980846" cy="869614"/>
           </a:xfrm>
           <a:prstGeom prst="rect">
@@ -3966,7 +3987,7 @@
         </p:nvCxnSpPr>
         <p:spPr>
           <a:xfrm>
-            <a:off x="856395" y="887107"/>
+            <a:off x="852069" y="1407675"/>
             <a:ext cx="0" cy="777027"/>
           </a:xfrm>
           <a:prstGeom prst="line">
@@ -4007,7 +4028,7 @@
         </p:nvCxnSpPr>
         <p:spPr>
           <a:xfrm flipV="1">
-            <a:off x="355892" y="1415175"/>
+            <a:off x="351566" y="1935743"/>
             <a:ext cx="960876" cy="1"/>
           </a:xfrm>
           <a:prstGeom prst="line">
@@ -4046,7 +4067,7 @@
         </p:nvSpPr>
         <p:spPr>
           <a:xfrm>
-            <a:off x="727840" y="1263443"/>
+            <a:off x="723514" y="1784011"/>
             <a:ext cx="257110" cy="257110"/>
           </a:xfrm>
           <a:prstGeom prst="ellipse">
@@ -4098,7 +4119,7 @@
         </p:nvSpPr>
         <p:spPr>
           <a:xfrm rot="840000">
-            <a:off x="4395512" y="1404643"/>
+            <a:off x="5216754" y="1768849"/>
             <a:ext cx="980846" cy="699681"/>
           </a:xfrm>
           <a:prstGeom prst="rect">
@@ -4154,7 +4175,7 @@
         </p:nvSpPr>
         <p:spPr>
           <a:xfrm rot="360000">
-            <a:off x="5105618" y="2065044"/>
+            <a:off x="5926860" y="2429250"/>
             <a:ext cx="980846" cy="699681"/>
           </a:xfrm>
           <a:prstGeom prst="rect">
@@ -4204,7 +4225,7 @@
         </p:nvCxnSpPr>
         <p:spPr>
           <a:xfrm>
-            <a:off x="5144234" y="1750025"/>
+            <a:off x="5965476" y="2114231"/>
             <a:ext cx="0" cy="520845"/>
           </a:xfrm>
           <a:prstGeom prst="line">
@@ -4245,7 +4266,7 @@
         </p:nvCxnSpPr>
         <p:spPr>
           <a:xfrm>
-            <a:off x="4877010" y="2007619"/>
+            <a:off x="5698252" y="2371825"/>
             <a:ext cx="517525" cy="0"/>
           </a:xfrm>
           <a:prstGeom prst="line">
@@ -4284,7 +4305,7 @@
         </p:nvSpPr>
         <p:spPr>
           <a:xfrm>
-            <a:off x="5015679" y="1870179"/>
+            <a:off x="5836921" y="2234385"/>
             <a:ext cx="257110" cy="257110"/>
           </a:xfrm>
           <a:prstGeom prst="ellipse">
@@ -5488,10 +5509,10 @@
       </p:sp>
       <p:sp>
         <p:nvSpPr>
-          <p:cNvPr id="80" name="Rectangle 79">
-            <a:extLst>
-              <a:ext uri="{FF2B5EF4-FFF2-40B4-BE49-F238E27FC236}">
-                <a16:creationId xmlns:a16="http://schemas.microsoft.com/office/drawing/2014/main" id="{FACC4CFF-3AFD-44AB-8C25-CA85B4E27183}"/>
+          <p:cNvPr id="81" name="Rectangle 80">
+            <a:extLst>
+              <a:ext uri="{FF2B5EF4-FFF2-40B4-BE49-F238E27FC236}">
+                <a16:creationId xmlns:a16="http://schemas.microsoft.com/office/drawing/2014/main" id="{4AF6ADE1-31BA-4E0B-8900-4A03F6BD1A1C}"/>
               </a:ext>
             </a:extLst>
           </p:cNvPr>
@@ -5500,8 +5521,854 @@
         </p:nvSpPr>
         <p:spPr>
           <a:xfrm>
-            <a:off x="8446199" y="5295339"/>
-            <a:ext cx="980846" cy="869614"/>
+            <a:off x="8553199" y="1087104"/>
+            <a:ext cx="3278326" cy="2407765"/>
+          </a:xfrm>
+          <a:prstGeom prst="rect">
+            <a:avLst/>
+          </a:prstGeom>
+        </p:spPr>
+        <p:style>
+          <a:lnRef idx="1">
+            <a:schemeClr val="accent1"/>
+          </a:lnRef>
+          <a:fillRef idx="2">
+            <a:schemeClr val="accent1"/>
+          </a:fillRef>
+          <a:effectRef idx="1">
+            <a:schemeClr val="accent1"/>
+          </a:effectRef>
+          <a:fontRef idx="minor">
+            <a:schemeClr val="dk1"/>
+          </a:fontRef>
+        </p:style>
+        <p:txBody>
+          <a:bodyPr rtlCol="0" anchor="t"/>
+          <a:lstStyle/>
+          <a:p>
+            <a:r>
+              <a:rPr lang="en-AU" b="1" dirty="0">
+                <a:solidFill>
+                  <a:schemeClr val="accent4">
+                    <a:lumMod val="60000"/>
+                    <a:lumOff val="40000"/>
+                  </a:schemeClr>
+                </a:solidFill>
+              </a:rPr>
+              <a:t>Inspector</a:t>
+            </a:r>
+          </a:p>
+          <a:p>
+            <a:endParaRPr lang="en-AU" dirty="0"/>
+          </a:p>
+          <a:p>
+            <a:r>
+              <a:rPr lang="en-AU" dirty="0"/>
+              <a:t>Prop:</a:t>
+            </a:r>
+          </a:p>
+          <a:p>
+            <a:r>
+              <a:rPr lang="en-AU" dirty="0"/>
+              <a:t>Prop:</a:t>
+            </a:r>
+          </a:p>
+          <a:p>
+            <a:r>
+              <a:rPr lang="en-AU" dirty="0"/>
+              <a:t>Prop:</a:t>
+            </a:r>
+          </a:p>
+        </p:txBody>
+      </p:sp>
+      <p:sp>
+        <p:nvSpPr>
+          <p:cNvPr id="82" name="Rectangle 81">
+            <a:extLst>
+              <a:ext uri="{FF2B5EF4-FFF2-40B4-BE49-F238E27FC236}">
+                <a16:creationId xmlns:a16="http://schemas.microsoft.com/office/drawing/2014/main" id="{42FC00C9-50D3-4D6A-AA88-F9E50521F1CC}"/>
+              </a:ext>
+            </a:extLst>
+          </p:cNvPr>
+          <p:cNvSpPr/>
+          <p:nvPr/>
+        </p:nvSpPr>
+        <p:spPr>
+          <a:xfrm>
+            <a:off x="9205767" y="1698483"/>
+            <a:ext cx="902815" cy="248387"/>
+          </a:xfrm>
+          <a:prstGeom prst="rect">
+            <a:avLst/>
+          </a:prstGeom>
+        </p:spPr>
+        <p:style>
+          <a:lnRef idx="2">
+            <a:schemeClr val="accent5"/>
+          </a:lnRef>
+          <a:fillRef idx="1">
+            <a:schemeClr val="lt1"/>
+          </a:fillRef>
+          <a:effectRef idx="0">
+            <a:schemeClr val="accent5"/>
+          </a:effectRef>
+          <a:fontRef idx="minor">
+            <a:schemeClr val="dk1"/>
+          </a:fontRef>
+        </p:style>
+        <p:txBody>
+          <a:bodyPr rtlCol="0" anchor="ctr"/>
+          <a:lstStyle/>
+          <a:p>
+            <a:pPr algn="ctr"/>
+            <a:r>
+              <a:rPr lang="en-AU" dirty="0"/>
+              <a:t>Value</a:t>
+            </a:r>
+          </a:p>
+        </p:txBody>
+      </p:sp>
+      <p:sp>
+        <p:nvSpPr>
+          <p:cNvPr id="84" name="Rectangle 83">
+            <a:extLst>
+              <a:ext uri="{FF2B5EF4-FFF2-40B4-BE49-F238E27FC236}">
+                <a16:creationId xmlns:a16="http://schemas.microsoft.com/office/drawing/2014/main" id="{FD29A03A-62B5-4E6A-8863-CDCC2379B7B8}"/>
+              </a:ext>
+            </a:extLst>
+          </p:cNvPr>
+          <p:cNvSpPr/>
+          <p:nvPr/>
+        </p:nvSpPr>
+        <p:spPr>
+          <a:xfrm>
+            <a:off x="9220260" y="1954726"/>
+            <a:ext cx="715260" cy="321801"/>
+          </a:xfrm>
+          <a:prstGeom prst="rect">
+            <a:avLst/>
+          </a:prstGeom>
+          <a:solidFill>
+            <a:srgbClr val="7030A0"/>
+          </a:solidFill>
+          <a:effectLst>
+            <a:outerShdw blurRad="50800" dist="38100" dir="2700000" algn="tl" rotWithShape="0">
+              <a:prstClr val="black">
+                <a:alpha val="40000"/>
+              </a:prstClr>
+            </a:outerShdw>
+          </a:effectLst>
+          <a:scene3d>
+            <a:camera prst="orthographicFront"/>
+            <a:lightRig rig="threePt" dir="t"/>
+          </a:scene3d>
+          <a:sp3d>
+            <a:bevelT/>
+          </a:sp3d>
+        </p:spPr>
+        <p:style>
+          <a:lnRef idx="2">
+            <a:schemeClr val="accent5"/>
+          </a:lnRef>
+          <a:fillRef idx="1">
+            <a:schemeClr val="lt1"/>
+          </a:fillRef>
+          <a:effectRef idx="0">
+            <a:schemeClr val="accent5"/>
+          </a:effectRef>
+          <a:fontRef idx="minor">
+            <a:schemeClr val="dk1"/>
+          </a:fontRef>
+        </p:style>
+        <p:txBody>
+          <a:bodyPr rtlCol="0" anchor="ctr"/>
+          <a:lstStyle/>
+          <a:p>
+            <a:pPr algn="ctr"/>
+            <a:r>
+              <a:rPr lang="en-AU" dirty="0" err="1">
+                <a:solidFill>
+                  <a:schemeClr val="bg1"/>
+                </a:solidFill>
+              </a:rPr>
+              <a:t>Color</a:t>
+            </a:r>
+            <a:endParaRPr lang="en-AU" dirty="0">
+              <a:solidFill>
+                <a:schemeClr val="bg1"/>
+              </a:solidFill>
+            </a:endParaRPr>
+          </a:p>
+        </p:txBody>
+      </p:sp>
+      <p:cxnSp>
+        <p:nvCxnSpPr>
+          <p:cNvPr id="53" name="Straight Connector 52">
+            <a:extLst>
+              <a:ext uri="{FF2B5EF4-FFF2-40B4-BE49-F238E27FC236}">
+                <a16:creationId xmlns:a16="http://schemas.microsoft.com/office/drawing/2014/main" id="{FA39E391-3935-4B15-8C5C-096C203BCFA5}"/>
+              </a:ext>
+            </a:extLst>
+          </p:cNvPr>
+          <p:cNvCxnSpPr>
+            <a:cxnSpLocks/>
+            <a:stCxn id="52" idx="2"/>
+          </p:cNvCxnSpPr>
+          <p:nvPr/>
+        </p:nvCxnSpPr>
+        <p:spPr>
+          <a:xfrm flipH="1">
+            <a:off x="3375012" y="4795040"/>
+            <a:ext cx="3960" cy="1743087"/>
+          </a:xfrm>
+          <a:prstGeom prst="line">
+            <a:avLst/>
+          </a:prstGeom>
+          <a:ln w="19050">
+            <a:solidFill>
+              <a:schemeClr val="accent6">
+                <a:lumMod val="40000"/>
+                <a:lumOff val="60000"/>
+              </a:schemeClr>
+            </a:solidFill>
+            <a:prstDash val="dash"/>
+          </a:ln>
+        </p:spPr>
+        <p:style>
+          <a:lnRef idx="1">
+            <a:schemeClr val="accent1"/>
+          </a:lnRef>
+          <a:fillRef idx="0">
+            <a:schemeClr val="accent1"/>
+          </a:fillRef>
+          <a:effectRef idx="0">
+            <a:schemeClr val="accent1"/>
+          </a:effectRef>
+          <a:fontRef idx="minor">
+            <a:schemeClr val="tx1"/>
+          </a:fontRef>
+        </p:style>
+      </p:cxnSp>
+      <p:sp>
+        <p:nvSpPr>
+          <p:cNvPr id="55" name="Rectangle: Rounded Corners 54">
+            <a:extLst>
+              <a:ext uri="{FF2B5EF4-FFF2-40B4-BE49-F238E27FC236}">
+                <a16:creationId xmlns:a16="http://schemas.microsoft.com/office/drawing/2014/main" id="{A410FC9F-6889-4FB0-A051-59AD049D21C4}"/>
+              </a:ext>
+            </a:extLst>
+          </p:cNvPr>
+          <p:cNvSpPr/>
+          <p:nvPr/>
+        </p:nvSpPr>
+        <p:spPr>
+          <a:xfrm>
+            <a:off x="7328176" y="5210007"/>
+            <a:ext cx="1812053" cy="145628"/>
+          </a:xfrm>
+          <a:prstGeom prst="roundRect">
+            <a:avLst/>
+          </a:prstGeom>
+        </p:spPr>
+        <p:style>
+          <a:lnRef idx="2">
+            <a:schemeClr val="accent1">
+              <a:shade val="50000"/>
+            </a:schemeClr>
+          </a:lnRef>
+          <a:fillRef idx="1">
+            <a:schemeClr val="accent1"/>
+          </a:fillRef>
+          <a:effectRef idx="0">
+            <a:schemeClr val="accent1"/>
+          </a:effectRef>
+          <a:fontRef idx="minor">
+            <a:schemeClr val="lt1"/>
+          </a:fontRef>
+        </p:style>
+        <p:txBody>
+          <a:bodyPr rtlCol="0" anchor="ctr"/>
+          <a:lstStyle/>
+          <a:p>
+            <a:pPr algn="ctr"/>
+            <a:endParaRPr lang="en-AU"/>
+          </a:p>
+        </p:txBody>
+      </p:sp>
+      <p:sp>
+        <p:nvSpPr>
+          <p:cNvPr id="60" name="Oval 59">
+            <a:extLst>
+              <a:ext uri="{FF2B5EF4-FFF2-40B4-BE49-F238E27FC236}">
+                <a16:creationId xmlns:a16="http://schemas.microsoft.com/office/drawing/2014/main" id="{FAA83CB0-DB8F-4031-B545-6080CE753D32}"/>
+              </a:ext>
+            </a:extLst>
+          </p:cNvPr>
+          <p:cNvSpPr/>
+          <p:nvPr/>
+        </p:nvSpPr>
+        <p:spPr>
+          <a:xfrm>
+            <a:off x="7289985" y="5178611"/>
+            <a:ext cx="200931" cy="200931"/>
+          </a:xfrm>
+          <a:prstGeom prst="ellipse">
+            <a:avLst/>
+          </a:prstGeom>
+          <a:ln w="38100">
+            <a:solidFill>
+              <a:schemeClr val="accent4">
+                <a:lumMod val="60000"/>
+                <a:lumOff val="40000"/>
+              </a:schemeClr>
+            </a:solidFill>
+          </a:ln>
+          <a:effectLst>
+            <a:outerShdw blurRad="50800" dist="38100" dir="5400000" algn="t" rotWithShape="0">
+              <a:prstClr val="black">
+                <a:alpha val="40000"/>
+              </a:prstClr>
+            </a:outerShdw>
+          </a:effectLst>
+        </p:spPr>
+        <p:style>
+          <a:lnRef idx="1">
+            <a:schemeClr val="accent6"/>
+          </a:lnRef>
+          <a:fillRef idx="2">
+            <a:schemeClr val="accent6"/>
+          </a:fillRef>
+          <a:effectRef idx="1">
+            <a:schemeClr val="accent6"/>
+          </a:effectRef>
+          <a:fontRef idx="minor">
+            <a:schemeClr val="dk1"/>
+          </a:fontRef>
+        </p:style>
+        <p:txBody>
+          <a:bodyPr rtlCol="0" anchor="ctr"/>
+          <a:lstStyle/>
+          <a:p>
+            <a:pPr algn="ctr"/>
+            <a:endParaRPr lang="en-AU"/>
+          </a:p>
+        </p:txBody>
+      </p:sp>
+      <p:sp>
+        <p:nvSpPr>
+          <p:cNvPr id="61" name="Oval 60">
+            <a:extLst>
+              <a:ext uri="{FF2B5EF4-FFF2-40B4-BE49-F238E27FC236}">
+                <a16:creationId xmlns:a16="http://schemas.microsoft.com/office/drawing/2014/main" id="{80A5F09B-A599-45F2-8DD0-3BCB26FC3CD8}"/>
+              </a:ext>
+            </a:extLst>
+          </p:cNvPr>
+          <p:cNvSpPr/>
+          <p:nvPr/>
+        </p:nvSpPr>
+        <p:spPr>
+          <a:xfrm>
+            <a:off x="7913390" y="5172322"/>
+            <a:ext cx="200931" cy="200931"/>
+          </a:xfrm>
+          <a:prstGeom prst="ellipse">
+            <a:avLst/>
+          </a:prstGeom>
+          <a:effectLst>
+            <a:outerShdw blurRad="50800" dist="38100" dir="5400000" algn="t" rotWithShape="0">
+              <a:prstClr val="black">
+                <a:alpha val="40000"/>
+              </a:prstClr>
+            </a:outerShdw>
+          </a:effectLst>
+        </p:spPr>
+        <p:style>
+          <a:lnRef idx="1">
+            <a:schemeClr val="accent6"/>
+          </a:lnRef>
+          <a:fillRef idx="2">
+            <a:schemeClr val="accent6"/>
+          </a:fillRef>
+          <a:effectRef idx="1">
+            <a:schemeClr val="accent6"/>
+          </a:effectRef>
+          <a:fontRef idx="minor">
+            <a:schemeClr val="dk1"/>
+          </a:fontRef>
+        </p:style>
+        <p:txBody>
+          <a:bodyPr rtlCol="0" anchor="ctr"/>
+          <a:lstStyle/>
+          <a:p>
+            <a:pPr algn="ctr"/>
+            <a:endParaRPr lang="en-AU"/>
+          </a:p>
+        </p:txBody>
+      </p:sp>
+      <p:sp>
+        <p:nvSpPr>
+          <p:cNvPr id="64" name="Rectangle: Rounded Corners 63">
+            <a:extLst>
+              <a:ext uri="{FF2B5EF4-FFF2-40B4-BE49-F238E27FC236}">
+                <a16:creationId xmlns:a16="http://schemas.microsoft.com/office/drawing/2014/main" id="{273F00F5-3B43-461B-B007-CD0D8874B085}"/>
+              </a:ext>
+            </a:extLst>
+          </p:cNvPr>
+          <p:cNvSpPr/>
+          <p:nvPr/>
+        </p:nvSpPr>
+        <p:spPr>
+          <a:xfrm>
+            <a:off x="9127851" y="5206658"/>
+            <a:ext cx="1476384" cy="157340"/>
+          </a:xfrm>
+          <a:prstGeom prst="roundRect">
+            <a:avLst/>
+          </a:prstGeom>
+        </p:spPr>
+        <p:style>
+          <a:lnRef idx="1">
+            <a:schemeClr val="accent5"/>
+          </a:lnRef>
+          <a:fillRef idx="2">
+            <a:schemeClr val="accent5"/>
+          </a:fillRef>
+          <a:effectRef idx="1">
+            <a:schemeClr val="accent5"/>
+          </a:effectRef>
+          <a:fontRef idx="minor">
+            <a:schemeClr val="dk1"/>
+          </a:fontRef>
+        </p:style>
+        <p:txBody>
+          <a:bodyPr rtlCol="0" anchor="ctr"/>
+          <a:lstStyle/>
+          <a:p>
+            <a:pPr algn="ctr"/>
+            <a:endParaRPr lang="en-AU"/>
+          </a:p>
+        </p:txBody>
+      </p:sp>
+      <p:sp>
+        <p:nvSpPr>
+          <p:cNvPr id="69" name="Oval 68">
+            <a:extLst>
+              <a:ext uri="{FF2B5EF4-FFF2-40B4-BE49-F238E27FC236}">
+                <a16:creationId xmlns:a16="http://schemas.microsoft.com/office/drawing/2014/main" id="{13B23307-2958-4F9F-BC35-3B6777D19997}"/>
+              </a:ext>
+            </a:extLst>
+          </p:cNvPr>
+          <p:cNvSpPr/>
+          <p:nvPr/>
+        </p:nvSpPr>
+        <p:spPr>
+          <a:xfrm>
+            <a:off x="9007969" y="5175605"/>
+            <a:ext cx="200931" cy="200931"/>
+          </a:xfrm>
+          <a:prstGeom prst="ellipse">
+            <a:avLst/>
+          </a:prstGeom>
+          <a:effectLst>
+            <a:outerShdw blurRad="50800" dist="38100" dir="5400000" algn="t" rotWithShape="0">
+              <a:prstClr val="black">
+                <a:alpha val="40000"/>
+              </a:prstClr>
+            </a:outerShdw>
+          </a:effectLst>
+        </p:spPr>
+        <p:style>
+          <a:lnRef idx="1">
+            <a:schemeClr val="accent6"/>
+          </a:lnRef>
+          <a:fillRef idx="2">
+            <a:schemeClr val="accent6"/>
+          </a:fillRef>
+          <a:effectRef idx="1">
+            <a:schemeClr val="accent6"/>
+          </a:effectRef>
+          <a:fontRef idx="minor">
+            <a:schemeClr val="dk1"/>
+          </a:fontRef>
+        </p:style>
+        <p:txBody>
+          <a:bodyPr rtlCol="0" anchor="ctr"/>
+          <a:lstStyle/>
+          <a:p>
+            <a:pPr algn="ctr"/>
+            <a:endParaRPr lang="en-AU"/>
+          </a:p>
+        </p:txBody>
+      </p:sp>
+      <p:sp>
+        <p:nvSpPr>
+          <p:cNvPr id="70" name="Oval 69">
+            <a:extLst>
+              <a:ext uri="{FF2B5EF4-FFF2-40B4-BE49-F238E27FC236}">
+                <a16:creationId xmlns:a16="http://schemas.microsoft.com/office/drawing/2014/main" id="{D7BF3123-02AB-4A00-9F3F-69807EA96B92}"/>
+              </a:ext>
+            </a:extLst>
+          </p:cNvPr>
+          <p:cNvSpPr/>
+          <p:nvPr/>
+        </p:nvSpPr>
+        <p:spPr>
+          <a:xfrm>
+            <a:off x="10559680" y="5173841"/>
+            <a:ext cx="200931" cy="200931"/>
+          </a:xfrm>
+          <a:prstGeom prst="ellipse">
+            <a:avLst/>
+          </a:prstGeom>
+          <a:effectLst>
+            <a:outerShdw blurRad="50800" dist="38100" dir="5400000" algn="t" rotWithShape="0">
+              <a:prstClr val="black">
+                <a:alpha val="40000"/>
+              </a:prstClr>
+            </a:outerShdw>
+          </a:effectLst>
+        </p:spPr>
+        <p:style>
+          <a:lnRef idx="1">
+            <a:schemeClr val="accent2"/>
+          </a:lnRef>
+          <a:fillRef idx="2">
+            <a:schemeClr val="accent2"/>
+          </a:fillRef>
+          <a:effectRef idx="1">
+            <a:schemeClr val="accent2"/>
+          </a:effectRef>
+          <a:fontRef idx="minor">
+            <a:schemeClr val="dk1"/>
+          </a:fontRef>
+        </p:style>
+        <p:txBody>
+          <a:bodyPr rtlCol="0" anchor="ctr"/>
+          <a:lstStyle/>
+          <a:p>
+            <a:pPr algn="ctr"/>
+            <a:endParaRPr lang="en-AU"/>
+          </a:p>
+        </p:txBody>
+      </p:sp>
+      <p:sp>
+        <p:nvSpPr>
+          <p:cNvPr id="72" name="Rectangle: Rounded Corners 71">
+            <a:extLst>
+              <a:ext uri="{FF2B5EF4-FFF2-40B4-BE49-F238E27FC236}">
+                <a16:creationId xmlns:a16="http://schemas.microsoft.com/office/drawing/2014/main" id="{37DFFFAA-1878-43B3-9999-7ADD33168C5B}"/>
+              </a:ext>
+            </a:extLst>
+          </p:cNvPr>
+          <p:cNvSpPr/>
+          <p:nvPr/>
+        </p:nvSpPr>
+        <p:spPr>
+          <a:xfrm>
+            <a:off x="7717917" y="5005526"/>
+            <a:ext cx="1812053" cy="145628"/>
+          </a:xfrm>
+          <a:prstGeom prst="roundRect">
+            <a:avLst/>
+          </a:prstGeom>
+        </p:spPr>
+        <p:style>
+          <a:lnRef idx="2">
+            <a:schemeClr val="accent1">
+              <a:shade val="50000"/>
+            </a:schemeClr>
+          </a:lnRef>
+          <a:fillRef idx="1">
+            <a:schemeClr val="accent1"/>
+          </a:fillRef>
+          <a:effectRef idx="0">
+            <a:schemeClr val="accent1"/>
+          </a:effectRef>
+          <a:fontRef idx="minor">
+            <a:schemeClr val="lt1"/>
+          </a:fontRef>
+        </p:style>
+        <p:txBody>
+          <a:bodyPr rtlCol="0" anchor="ctr"/>
+          <a:lstStyle/>
+          <a:p>
+            <a:pPr algn="ctr"/>
+            <a:endParaRPr lang="en-AU"/>
+          </a:p>
+        </p:txBody>
+      </p:sp>
+      <p:sp>
+        <p:nvSpPr>
+          <p:cNvPr id="73" name="Oval 72">
+            <a:extLst>
+              <a:ext uri="{FF2B5EF4-FFF2-40B4-BE49-F238E27FC236}">
+                <a16:creationId xmlns:a16="http://schemas.microsoft.com/office/drawing/2014/main" id="{5D7605C5-B458-4C7A-9AB0-3BE813042465}"/>
+              </a:ext>
+            </a:extLst>
+          </p:cNvPr>
+          <p:cNvSpPr/>
+          <p:nvPr/>
+        </p:nvSpPr>
+        <p:spPr>
+          <a:xfrm>
+            <a:off x="7679726" y="4974130"/>
+            <a:ext cx="200931" cy="200931"/>
+          </a:xfrm>
+          <a:prstGeom prst="ellipse">
+            <a:avLst/>
+          </a:prstGeom>
+          <a:ln w="38100">
+            <a:solidFill>
+              <a:schemeClr val="accent4">
+                <a:lumMod val="60000"/>
+                <a:lumOff val="40000"/>
+              </a:schemeClr>
+            </a:solidFill>
+          </a:ln>
+          <a:effectLst>
+            <a:outerShdw blurRad="50800" dist="38100" dir="5400000" algn="t" rotWithShape="0">
+              <a:prstClr val="black">
+                <a:alpha val="40000"/>
+              </a:prstClr>
+            </a:outerShdw>
+          </a:effectLst>
+        </p:spPr>
+        <p:style>
+          <a:lnRef idx="1">
+            <a:schemeClr val="accent6"/>
+          </a:lnRef>
+          <a:fillRef idx="2">
+            <a:schemeClr val="accent6"/>
+          </a:fillRef>
+          <a:effectRef idx="1">
+            <a:schemeClr val="accent6"/>
+          </a:effectRef>
+          <a:fontRef idx="minor">
+            <a:schemeClr val="dk1"/>
+          </a:fontRef>
+        </p:style>
+        <p:txBody>
+          <a:bodyPr rtlCol="0" anchor="ctr"/>
+          <a:lstStyle/>
+          <a:p>
+            <a:pPr algn="ctr"/>
+            <a:endParaRPr lang="en-AU"/>
+          </a:p>
+        </p:txBody>
+      </p:sp>
+      <p:sp>
+        <p:nvSpPr>
+          <p:cNvPr id="85" name="Oval 84">
+            <a:extLst>
+              <a:ext uri="{FF2B5EF4-FFF2-40B4-BE49-F238E27FC236}">
+                <a16:creationId xmlns:a16="http://schemas.microsoft.com/office/drawing/2014/main" id="{8B8099DF-549A-41B6-AC36-A35FB6C70770}"/>
+              </a:ext>
+            </a:extLst>
+          </p:cNvPr>
+          <p:cNvSpPr/>
+          <p:nvPr/>
+        </p:nvSpPr>
+        <p:spPr>
+          <a:xfrm>
+            <a:off x="8303131" y="4967841"/>
+            <a:ext cx="200931" cy="200931"/>
+          </a:xfrm>
+          <a:prstGeom prst="ellipse">
+            <a:avLst/>
+          </a:prstGeom>
+          <a:effectLst>
+            <a:outerShdw blurRad="50800" dist="38100" dir="5400000" algn="t" rotWithShape="0">
+              <a:prstClr val="black">
+                <a:alpha val="40000"/>
+              </a:prstClr>
+            </a:outerShdw>
+          </a:effectLst>
+        </p:spPr>
+        <p:style>
+          <a:lnRef idx="1">
+            <a:schemeClr val="accent6"/>
+          </a:lnRef>
+          <a:fillRef idx="2">
+            <a:schemeClr val="accent6"/>
+          </a:fillRef>
+          <a:effectRef idx="1">
+            <a:schemeClr val="accent6"/>
+          </a:effectRef>
+          <a:fontRef idx="minor">
+            <a:schemeClr val="dk1"/>
+          </a:fontRef>
+        </p:style>
+        <p:txBody>
+          <a:bodyPr rtlCol="0" anchor="ctr"/>
+          <a:lstStyle/>
+          <a:p>
+            <a:pPr algn="ctr"/>
+            <a:endParaRPr lang="en-AU"/>
+          </a:p>
+        </p:txBody>
+      </p:sp>
+      <p:sp>
+        <p:nvSpPr>
+          <p:cNvPr id="86" name="Rectangle: Rounded Corners 85">
+            <a:extLst>
+              <a:ext uri="{FF2B5EF4-FFF2-40B4-BE49-F238E27FC236}">
+                <a16:creationId xmlns:a16="http://schemas.microsoft.com/office/drawing/2014/main" id="{3A771D4D-6CB0-4C5F-BC63-7320F491DD98}"/>
+              </a:ext>
+            </a:extLst>
+          </p:cNvPr>
+          <p:cNvSpPr/>
+          <p:nvPr/>
+        </p:nvSpPr>
+        <p:spPr>
+          <a:xfrm>
+            <a:off x="9517592" y="5002177"/>
+            <a:ext cx="1476384" cy="157340"/>
+          </a:xfrm>
+          <a:prstGeom prst="roundRect">
+            <a:avLst/>
+          </a:prstGeom>
+        </p:spPr>
+        <p:style>
+          <a:lnRef idx="1">
+            <a:schemeClr val="accent5"/>
+          </a:lnRef>
+          <a:fillRef idx="2">
+            <a:schemeClr val="accent5"/>
+          </a:fillRef>
+          <a:effectRef idx="1">
+            <a:schemeClr val="accent5"/>
+          </a:effectRef>
+          <a:fontRef idx="minor">
+            <a:schemeClr val="dk1"/>
+          </a:fontRef>
+        </p:style>
+        <p:txBody>
+          <a:bodyPr rtlCol="0" anchor="ctr"/>
+          <a:lstStyle/>
+          <a:p>
+            <a:pPr algn="ctr"/>
+            <a:endParaRPr lang="en-AU"/>
+          </a:p>
+        </p:txBody>
+      </p:sp>
+      <p:sp>
+        <p:nvSpPr>
+          <p:cNvPr id="87" name="Oval 86">
+            <a:extLst>
+              <a:ext uri="{FF2B5EF4-FFF2-40B4-BE49-F238E27FC236}">
+                <a16:creationId xmlns:a16="http://schemas.microsoft.com/office/drawing/2014/main" id="{362DC5F8-4CC4-4B7E-9050-A6ABCC5E32F2}"/>
+              </a:ext>
+            </a:extLst>
+          </p:cNvPr>
+          <p:cNvSpPr/>
+          <p:nvPr/>
+        </p:nvSpPr>
+        <p:spPr>
+          <a:xfrm>
+            <a:off x="9397710" y="4971124"/>
+            <a:ext cx="200931" cy="200931"/>
+          </a:xfrm>
+          <a:prstGeom prst="ellipse">
+            <a:avLst/>
+          </a:prstGeom>
+          <a:effectLst>
+            <a:outerShdw blurRad="50800" dist="38100" dir="5400000" algn="t" rotWithShape="0">
+              <a:prstClr val="black">
+                <a:alpha val="40000"/>
+              </a:prstClr>
+            </a:outerShdw>
+          </a:effectLst>
+        </p:spPr>
+        <p:style>
+          <a:lnRef idx="1">
+            <a:schemeClr val="accent6"/>
+          </a:lnRef>
+          <a:fillRef idx="2">
+            <a:schemeClr val="accent6"/>
+          </a:fillRef>
+          <a:effectRef idx="1">
+            <a:schemeClr val="accent6"/>
+          </a:effectRef>
+          <a:fontRef idx="minor">
+            <a:schemeClr val="dk1"/>
+          </a:fontRef>
+        </p:style>
+        <p:txBody>
+          <a:bodyPr rtlCol="0" anchor="ctr"/>
+          <a:lstStyle/>
+          <a:p>
+            <a:pPr algn="ctr"/>
+            <a:endParaRPr lang="en-AU"/>
+          </a:p>
+        </p:txBody>
+      </p:sp>
+      <p:sp>
+        <p:nvSpPr>
+          <p:cNvPr id="88" name="Oval 87">
+            <a:extLst>
+              <a:ext uri="{FF2B5EF4-FFF2-40B4-BE49-F238E27FC236}">
+                <a16:creationId xmlns:a16="http://schemas.microsoft.com/office/drawing/2014/main" id="{1460BC06-7A4B-42C8-8045-F7741731060F}"/>
+              </a:ext>
+            </a:extLst>
+          </p:cNvPr>
+          <p:cNvSpPr/>
+          <p:nvPr/>
+        </p:nvSpPr>
+        <p:spPr>
+          <a:xfrm>
+            <a:off x="10949421" y="4969360"/>
+            <a:ext cx="200931" cy="200931"/>
+          </a:xfrm>
+          <a:prstGeom prst="ellipse">
+            <a:avLst/>
+          </a:prstGeom>
+          <a:effectLst>
+            <a:outerShdw blurRad="50800" dist="38100" dir="5400000" algn="t" rotWithShape="0">
+              <a:prstClr val="black">
+                <a:alpha val="40000"/>
+              </a:prstClr>
+            </a:outerShdw>
+          </a:effectLst>
+        </p:spPr>
+        <p:style>
+          <a:lnRef idx="1">
+            <a:schemeClr val="accent2"/>
+          </a:lnRef>
+          <a:fillRef idx="2">
+            <a:schemeClr val="accent2"/>
+          </a:fillRef>
+          <a:effectRef idx="1">
+            <a:schemeClr val="accent2"/>
+          </a:effectRef>
+          <a:fontRef idx="minor">
+            <a:schemeClr val="dk1"/>
+          </a:fontRef>
+        </p:style>
+        <p:txBody>
+          <a:bodyPr rtlCol="0" anchor="ctr"/>
+          <a:lstStyle/>
+          <a:p>
+            <a:pPr algn="ctr"/>
+            <a:endParaRPr lang="en-AU"/>
+          </a:p>
+        </p:txBody>
+      </p:sp>
+      <p:sp>
+        <p:nvSpPr>
+          <p:cNvPr id="80" name="Rectangle 79">
+            <a:extLst>
+              <a:ext uri="{FF2B5EF4-FFF2-40B4-BE49-F238E27FC236}">
+                <a16:creationId xmlns:a16="http://schemas.microsoft.com/office/drawing/2014/main" id="{FACC4CFF-3AFD-44AB-8C25-CA85B4E27183}"/>
+              </a:ext>
+            </a:extLst>
+          </p:cNvPr>
+          <p:cNvSpPr/>
+          <p:nvPr/>
+        </p:nvSpPr>
+        <p:spPr>
+          <a:xfrm>
+            <a:off x="5141845" y="5294400"/>
+            <a:ext cx="1155457" cy="576140"/>
           </a:xfrm>
           <a:prstGeom prst="rect">
             <a:avLst/>
@@ -5550,17 +6417,17 @@
             </a:pPr>
             <a:r>
               <a:rPr lang="en-AU" sz="1000" dirty="0"/>
-              <a:t>Optimise</a:t>
-            </a:r>
-          </a:p>
-        </p:txBody>
-      </p:sp>
-      <p:sp>
-        <p:nvSpPr>
-          <p:cNvPr id="81" name="Rectangle 80">
-            <a:extLst>
-              <a:ext uri="{FF2B5EF4-FFF2-40B4-BE49-F238E27FC236}">
-                <a16:creationId xmlns:a16="http://schemas.microsoft.com/office/drawing/2014/main" id="{4AF6ADE1-31BA-4E0B-8900-4A03F6BD1A1C}"/>
+              <a:t>New Sequence</a:t>
+            </a:r>
+          </a:p>
+        </p:txBody>
+      </p:sp>
+      <p:sp>
+        <p:nvSpPr>
+          <p:cNvPr id="89" name="Rectangle 88">
+            <a:extLst>
+              <a:ext uri="{FF2B5EF4-FFF2-40B4-BE49-F238E27FC236}">
+                <a16:creationId xmlns:a16="http://schemas.microsoft.com/office/drawing/2014/main" id="{BF532BC1-253B-4CE8-B97F-6F018142FB6B}"/>
               </a:ext>
             </a:extLst>
           </p:cNvPr>
@@ -5569,22 +6436,29 @@
         </p:nvSpPr>
         <p:spPr>
           <a:xfrm>
-            <a:off x="7167075" y="476188"/>
-            <a:ext cx="3278326" cy="3018681"/>
+            <a:off x="7363010" y="5278327"/>
+            <a:ext cx="936161" cy="911281"/>
           </a:xfrm>
           <a:prstGeom prst="rect">
             <a:avLst/>
           </a:prstGeom>
+          <a:effectLst>
+            <a:outerShdw blurRad="50800" dist="38100" dir="13500000" algn="br" rotWithShape="0">
+              <a:prstClr val="black">
+                <a:alpha val="40000"/>
+              </a:prstClr>
+            </a:outerShdw>
+          </a:effectLst>
         </p:spPr>
         <p:style>
-          <a:lnRef idx="1">
-            <a:schemeClr val="accent1"/>
+          <a:lnRef idx="2">
+            <a:schemeClr val="accent3"/>
           </a:lnRef>
-          <a:fillRef idx="2">
-            <a:schemeClr val="accent1"/>
+          <a:fillRef idx="1">
+            <a:schemeClr val="lt1"/>
           </a:fillRef>
-          <a:effectRef idx="1">
-            <a:schemeClr val="accent1"/>
+          <a:effectRef idx="0">
+            <a:schemeClr val="accent3"/>
           </a:effectRef>
           <a:fontRef idx="minor">
             <a:schemeClr val="dk1"/>
@@ -5595,39 +6469,62 @@
           <a:lstStyle/>
           <a:p>
             <a:r>
-              <a:rPr lang="en-AU" dirty="0"/>
-              <a:t>Inspector</a:t>
-            </a:r>
-          </a:p>
-          <a:p>
-            <a:endParaRPr lang="en-AU" dirty="0"/>
-          </a:p>
-          <a:p>
-            <a:r>
-              <a:rPr lang="en-AU" dirty="0"/>
-              <a:t>Prop:</a:t>
-            </a:r>
-          </a:p>
-          <a:p>
-            <a:r>
-              <a:rPr lang="en-AU" dirty="0"/>
-              <a:t>Prop:</a:t>
-            </a:r>
-          </a:p>
-          <a:p>
-            <a:r>
-              <a:rPr lang="en-AU" dirty="0"/>
-              <a:t>Prop:</a:t>
-            </a:r>
-          </a:p>
-        </p:txBody>
-      </p:sp>
-      <p:sp>
-        <p:nvSpPr>
-          <p:cNvPr id="82" name="Rectangle 81">
-            <a:extLst>
-              <a:ext uri="{FF2B5EF4-FFF2-40B4-BE49-F238E27FC236}">
-                <a16:creationId xmlns:a16="http://schemas.microsoft.com/office/drawing/2014/main" id="{42FC00C9-50D3-4D6A-AA88-F9E50521F1CC}"/>
+              <a:rPr lang="en-AU" sz="1000" b="1" dirty="0"/>
+              <a:t>Keyframe</a:t>
+            </a:r>
+          </a:p>
+          <a:p>
+            <a:r>
+              <a:rPr lang="en-AU" sz="1000" dirty="0"/>
+              <a:t>Context Menu</a:t>
+            </a:r>
+          </a:p>
+          <a:p>
+            <a:pPr marL="171450" indent="-171450">
+              <a:buFont typeface="Arial" panose="020B0604020202020204" pitchFamily="34" charset="0"/>
+              <a:buChar char="•"/>
+            </a:pPr>
+            <a:r>
+              <a:rPr lang="en-AU" sz="1000" dirty="0" err="1"/>
+              <a:t>easeIn</a:t>
+            </a:r>
+            <a:r>
+              <a:rPr lang="en-AU" sz="1000" dirty="0"/>
+              <a:t>…</a:t>
+            </a:r>
+          </a:p>
+          <a:p>
+            <a:pPr marL="171450" indent="-171450">
+              <a:buFont typeface="Arial" panose="020B0604020202020204" pitchFamily="34" charset="0"/>
+              <a:buChar char="•"/>
+            </a:pPr>
+            <a:r>
+              <a:rPr lang="en-AU" sz="1000" dirty="0" err="1"/>
+              <a:t>easeOut</a:t>
+            </a:r>
+            <a:r>
+              <a:rPr lang="en-AU" sz="1000" dirty="0"/>
+              <a:t>…</a:t>
+            </a:r>
+          </a:p>
+          <a:p>
+            <a:pPr marL="171450" indent="-171450">
+              <a:buFont typeface="Arial" panose="020B0604020202020204" pitchFamily="34" charset="0"/>
+              <a:buChar char="•"/>
+            </a:pPr>
+            <a:r>
+              <a:rPr lang="en-AU" sz="1000" dirty="0"/>
+              <a:t>Edit value</a:t>
+            </a:r>
+          </a:p>
+        </p:txBody>
+      </p:sp>
+      <p:sp>
+        <p:nvSpPr>
+          <p:cNvPr id="90" name="Rectangle 89">
+            <a:extLst>
+              <a:ext uri="{FF2B5EF4-FFF2-40B4-BE49-F238E27FC236}">
+                <a16:creationId xmlns:a16="http://schemas.microsoft.com/office/drawing/2014/main" id="{46F7096A-D675-4DC4-8F96-77AFBB850759}"/>
               </a:ext>
             </a:extLst>
           </p:cNvPr>
@@ -5636,8 +6533,375 @@
         </p:nvSpPr>
         <p:spPr>
           <a:xfrm>
-            <a:off x="7852649" y="1104943"/>
-            <a:ext cx="902815" cy="248387"/>
+            <a:off x="194254" y="570759"/>
+            <a:ext cx="11594208" cy="368605"/>
+          </a:xfrm>
+          <a:prstGeom prst="rect">
+            <a:avLst/>
+          </a:prstGeom>
+        </p:spPr>
+        <p:style>
+          <a:lnRef idx="1">
+            <a:schemeClr val="accent3"/>
+          </a:lnRef>
+          <a:fillRef idx="2">
+            <a:schemeClr val="accent3"/>
+          </a:fillRef>
+          <a:effectRef idx="1">
+            <a:schemeClr val="accent3"/>
+          </a:effectRef>
+          <a:fontRef idx="minor">
+            <a:schemeClr val="dk1"/>
+          </a:fontRef>
+        </p:style>
+        <p:txBody>
+          <a:bodyPr rtlCol="0" anchor="ctr"/>
+          <a:lstStyle/>
+          <a:p>
+            <a:r>
+              <a:rPr lang="en-AU" dirty="0"/>
+              <a:t>Menu: File, View, Arrange</a:t>
+            </a:r>
+            <a:endParaRPr lang="en-AU" b="1" dirty="0"/>
+          </a:p>
+        </p:txBody>
+      </p:sp>
+      <p:sp>
+        <p:nvSpPr>
+          <p:cNvPr id="91" name="Rectangle 90">
+            <a:extLst>
+              <a:ext uri="{FF2B5EF4-FFF2-40B4-BE49-F238E27FC236}">
+                <a16:creationId xmlns:a16="http://schemas.microsoft.com/office/drawing/2014/main" id="{980BF70E-B727-4858-AB41-508B392E1F80}"/>
+              </a:ext>
+            </a:extLst>
+          </p:cNvPr>
+          <p:cNvSpPr/>
+          <p:nvPr/>
+        </p:nvSpPr>
+        <p:spPr>
+          <a:xfrm>
+            <a:off x="10330306" y="687462"/>
+            <a:ext cx="980846" cy="729387"/>
+          </a:xfrm>
+          <a:prstGeom prst="rect">
+            <a:avLst/>
+          </a:prstGeom>
+          <a:effectLst>
+            <a:outerShdw blurRad="50800" dist="38100" dir="13500000" algn="br" rotWithShape="0">
+              <a:prstClr val="black">
+                <a:alpha val="40000"/>
+              </a:prstClr>
+            </a:outerShdw>
+          </a:effectLst>
+        </p:spPr>
+        <p:style>
+          <a:lnRef idx="2">
+            <a:schemeClr val="accent3"/>
+          </a:lnRef>
+          <a:fillRef idx="1">
+            <a:schemeClr val="lt1"/>
+          </a:fillRef>
+          <a:effectRef idx="0">
+            <a:schemeClr val="accent3"/>
+          </a:effectRef>
+          <a:fontRef idx="minor">
+            <a:schemeClr val="dk1"/>
+          </a:fontRef>
+        </p:style>
+        <p:txBody>
+          <a:bodyPr rtlCol="0" anchor="t"/>
+          <a:lstStyle/>
+          <a:p>
+            <a:r>
+              <a:rPr lang="en-AU" sz="1000" b="1" dirty="0"/>
+              <a:t>Menu</a:t>
+            </a:r>
+          </a:p>
+          <a:p>
+            <a:r>
+              <a:rPr lang="en-AU" sz="1000" dirty="0"/>
+              <a:t>Sub Menu</a:t>
+            </a:r>
+          </a:p>
+          <a:p>
+            <a:pPr marL="171450" indent="-171450">
+              <a:buFont typeface="Arial" panose="020B0604020202020204" pitchFamily="34" charset="0"/>
+              <a:buChar char="•"/>
+            </a:pPr>
+            <a:r>
+              <a:rPr lang="en-AU" sz="1000" dirty="0"/>
+              <a:t>Item</a:t>
+            </a:r>
+          </a:p>
+          <a:p>
+            <a:pPr marL="171450" indent="-171450">
+              <a:buFont typeface="Arial" panose="020B0604020202020204" pitchFamily="34" charset="0"/>
+              <a:buChar char="•"/>
+            </a:pPr>
+            <a:r>
+              <a:rPr lang="en-AU" sz="1000" dirty="0"/>
+              <a:t>item</a:t>
+            </a:r>
+          </a:p>
+        </p:txBody>
+      </p:sp>
+      <p:sp>
+        <p:nvSpPr>
+          <p:cNvPr id="92" name="Rectangle 91">
+            <a:extLst>
+              <a:ext uri="{FF2B5EF4-FFF2-40B4-BE49-F238E27FC236}">
+                <a16:creationId xmlns:a16="http://schemas.microsoft.com/office/drawing/2014/main" id="{6BE3AF3B-0139-4C32-A992-A4EEB1879F81}"/>
+              </a:ext>
+            </a:extLst>
+          </p:cNvPr>
+          <p:cNvSpPr/>
+          <p:nvPr/>
+        </p:nvSpPr>
+        <p:spPr>
+          <a:xfrm>
+            <a:off x="10522230" y="1206359"/>
+            <a:ext cx="980846" cy="714025"/>
+          </a:xfrm>
+          <a:prstGeom prst="rect">
+            <a:avLst/>
+          </a:prstGeom>
+          <a:effectLst>
+            <a:outerShdw blurRad="50800" dist="38100" dir="13500000" algn="br" rotWithShape="0">
+              <a:prstClr val="black">
+                <a:alpha val="40000"/>
+              </a:prstClr>
+            </a:outerShdw>
+          </a:effectLst>
+        </p:spPr>
+        <p:style>
+          <a:lnRef idx="2">
+            <a:schemeClr val="accent3"/>
+          </a:lnRef>
+          <a:fillRef idx="1">
+            <a:schemeClr val="lt1"/>
+          </a:fillRef>
+          <a:effectRef idx="0">
+            <a:schemeClr val="accent3"/>
+          </a:effectRef>
+          <a:fontRef idx="minor">
+            <a:schemeClr val="dk1"/>
+          </a:fontRef>
+        </p:style>
+        <p:txBody>
+          <a:bodyPr rtlCol="0" anchor="t"/>
+          <a:lstStyle/>
+          <a:p>
+            <a:r>
+              <a:rPr lang="en-AU" sz="1000" b="1" dirty="0"/>
+              <a:t>Item</a:t>
+            </a:r>
+          </a:p>
+          <a:p>
+            <a:r>
+              <a:rPr lang="en-AU" sz="1000" dirty="0"/>
+              <a:t>Sub Menu</a:t>
+            </a:r>
+          </a:p>
+          <a:p>
+            <a:pPr marL="171450" indent="-171450">
+              <a:buFont typeface="Arial" panose="020B0604020202020204" pitchFamily="34" charset="0"/>
+              <a:buChar char="•"/>
+            </a:pPr>
+            <a:r>
+              <a:rPr lang="en-AU" sz="1000" dirty="0"/>
+              <a:t>Item</a:t>
+            </a:r>
+          </a:p>
+          <a:p>
+            <a:pPr marL="171450" indent="-171450">
+              <a:buFont typeface="Arial" panose="020B0604020202020204" pitchFamily="34" charset="0"/>
+              <a:buChar char="•"/>
+            </a:pPr>
+            <a:r>
+              <a:rPr lang="en-AU" sz="1000" dirty="0"/>
+              <a:t>item</a:t>
+            </a:r>
+          </a:p>
+        </p:txBody>
+      </p:sp>
+      <p:sp>
+        <p:nvSpPr>
+          <p:cNvPr id="93" name="Rectangle 92">
+            <a:extLst>
+              <a:ext uri="{FF2B5EF4-FFF2-40B4-BE49-F238E27FC236}">
+                <a16:creationId xmlns:a16="http://schemas.microsoft.com/office/drawing/2014/main" id="{82F33243-6E17-46EC-90EA-3F859AC38DAA}"/>
+              </a:ext>
+            </a:extLst>
+          </p:cNvPr>
+          <p:cNvSpPr/>
+          <p:nvPr/>
+        </p:nvSpPr>
+        <p:spPr>
+          <a:xfrm>
+            <a:off x="7115617" y="1167290"/>
+            <a:ext cx="1201594" cy="1060029"/>
+          </a:xfrm>
+          <a:prstGeom prst="rect">
+            <a:avLst/>
+          </a:prstGeom>
+          <a:effectLst>
+            <a:outerShdw blurRad="50800" dist="38100" dir="13500000" algn="br" rotWithShape="0">
+              <a:prstClr val="black">
+                <a:alpha val="40000"/>
+              </a:prstClr>
+            </a:outerShdw>
+          </a:effectLst>
+        </p:spPr>
+        <p:style>
+          <a:lnRef idx="2">
+            <a:schemeClr val="accent3"/>
+          </a:lnRef>
+          <a:fillRef idx="1">
+            <a:schemeClr val="lt1"/>
+          </a:fillRef>
+          <a:effectRef idx="0">
+            <a:schemeClr val="accent3"/>
+          </a:effectRef>
+          <a:fontRef idx="minor">
+            <a:schemeClr val="dk1"/>
+          </a:fontRef>
+        </p:style>
+        <p:txBody>
+          <a:bodyPr rtlCol="0" anchor="t"/>
+          <a:lstStyle/>
+          <a:p>
+            <a:r>
+              <a:rPr lang="en-AU" sz="1000" b="1" dirty="0"/>
+              <a:t>Select Menu</a:t>
+            </a:r>
+          </a:p>
+          <a:p>
+            <a:pPr marL="171450" indent="-171450">
+              <a:buFont typeface="Arial" panose="020B0604020202020204" pitchFamily="34" charset="0"/>
+              <a:buChar char="•"/>
+            </a:pPr>
+            <a:r>
+              <a:rPr lang="en-AU" sz="1000" dirty="0"/>
+              <a:t>New Scene +</a:t>
+            </a:r>
+          </a:p>
+          <a:p>
+            <a:pPr marL="171450" indent="-171450">
+              <a:buFont typeface="Arial" panose="020B0604020202020204" pitchFamily="34" charset="0"/>
+              <a:buChar char="•"/>
+            </a:pPr>
+            <a:r>
+              <a:rPr lang="en-AU" sz="1000" dirty="0"/>
+              <a:t>Delete Scene 1</a:t>
+            </a:r>
+          </a:p>
+          <a:p>
+            <a:pPr marL="171450" indent="-171450">
+              <a:buFont typeface="Arial" panose="020B0604020202020204" pitchFamily="34" charset="0"/>
+              <a:buChar char="•"/>
+            </a:pPr>
+            <a:r>
+              <a:rPr lang="en-AU" sz="1000" b="1" i="1" dirty="0"/>
+              <a:t>Scene 1</a:t>
+            </a:r>
+          </a:p>
+          <a:p>
+            <a:pPr marL="171450" indent="-171450">
+              <a:buFont typeface="Arial" panose="020B0604020202020204" pitchFamily="34" charset="0"/>
+              <a:buChar char="•"/>
+            </a:pPr>
+            <a:r>
+              <a:rPr lang="en-AU" sz="1000" dirty="0"/>
+              <a:t>Scene 2</a:t>
+            </a:r>
+          </a:p>
+        </p:txBody>
+      </p:sp>
+      <p:sp>
+        <p:nvSpPr>
+          <p:cNvPr id="94" name="Rectangle 93">
+            <a:extLst>
+              <a:ext uri="{FF2B5EF4-FFF2-40B4-BE49-F238E27FC236}">
+                <a16:creationId xmlns:a16="http://schemas.microsoft.com/office/drawing/2014/main" id="{DB9BF8A5-508A-4149-82C7-0F6411148F30}"/>
+              </a:ext>
+            </a:extLst>
+          </p:cNvPr>
+          <p:cNvSpPr/>
+          <p:nvPr/>
+        </p:nvSpPr>
+        <p:spPr>
+          <a:xfrm>
+            <a:off x="9332569" y="5292307"/>
+            <a:ext cx="1177206" cy="620079"/>
+          </a:xfrm>
+          <a:prstGeom prst="rect">
+            <a:avLst/>
+          </a:prstGeom>
+          <a:effectLst>
+            <a:outerShdw blurRad="50800" dist="38100" dir="13500000" algn="br" rotWithShape="0">
+              <a:prstClr val="black">
+                <a:alpha val="40000"/>
+              </a:prstClr>
+            </a:outerShdw>
+          </a:effectLst>
+        </p:spPr>
+        <p:style>
+          <a:lnRef idx="2">
+            <a:schemeClr val="accent3"/>
+          </a:lnRef>
+          <a:fillRef idx="1">
+            <a:schemeClr val="lt1"/>
+          </a:fillRef>
+          <a:effectRef idx="0">
+            <a:schemeClr val="accent3"/>
+          </a:effectRef>
+          <a:fontRef idx="minor">
+            <a:schemeClr val="dk1"/>
+          </a:fontRef>
+        </p:style>
+        <p:txBody>
+          <a:bodyPr rtlCol="0" anchor="t"/>
+          <a:lstStyle/>
+          <a:p>
+            <a:r>
+              <a:rPr lang="en-AU" sz="1000" b="1" dirty="0"/>
+              <a:t>Sequence</a:t>
+            </a:r>
+          </a:p>
+          <a:p>
+            <a:r>
+              <a:rPr lang="en-AU" sz="1000" dirty="0"/>
+              <a:t>Context Menu</a:t>
+            </a:r>
+          </a:p>
+          <a:p>
+            <a:pPr marL="171450" indent="-171450">
+              <a:buFont typeface="Arial" panose="020B0604020202020204" pitchFamily="34" charset="0"/>
+              <a:buChar char="•"/>
+            </a:pPr>
+            <a:r>
+              <a:rPr lang="en-AU" sz="1000" dirty="0"/>
+              <a:t>New Keyframe</a:t>
+            </a:r>
+          </a:p>
+        </p:txBody>
+      </p:sp>
+      <p:sp>
+        <p:nvSpPr>
+          <p:cNvPr id="95" name="Rectangle 94">
+            <a:extLst>
+              <a:ext uri="{FF2B5EF4-FFF2-40B4-BE49-F238E27FC236}">
+                <a16:creationId xmlns:a16="http://schemas.microsoft.com/office/drawing/2014/main" id="{1ECE2F89-ECB0-4AAB-82AB-9481989E3AB4}"/>
+              </a:ext>
+            </a:extLst>
+          </p:cNvPr>
+          <p:cNvSpPr/>
+          <p:nvPr/>
+        </p:nvSpPr>
+        <p:spPr>
+          <a:xfrm>
+            <a:off x="9213575" y="2290986"/>
+            <a:ext cx="173493" cy="195760"/>
           </a:xfrm>
           <a:prstGeom prst="rect">
             <a:avLst/>
@@ -5664,17 +6928,17 @@
             <a:pPr algn="ctr"/>
             <a:r>
               <a:rPr lang="en-AU" dirty="0"/>
-              <a:t>Value</a:t>
-            </a:r>
-          </a:p>
-        </p:txBody>
-      </p:sp>
-      <p:sp>
-        <p:nvSpPr>
-          <p:cNvPr id="83" name="Rectangle 82">
-            <a:extLst>
-              <a:ext uri="{FF2B5EF4-FFF2-40B4-BE49-F238E27FC236}">
-                <a16:creationId xmlns:a16="http://schemas.microsoft.com/office/drawing/2014/main" id="{0A44E539-8FDE-4F59-A228-88E3D2623295}"/>
+              <a:t>X</a:t>
+            </a:r>
+          </a:p>
+        </p:txBody>
+      </p:sp>
+      <p:sp>
+        <p:nvSpPr>
+          <p:cNvPr id="96" name="Rectangle 95">
+            <a:extLst>
+              <a:ext uri="{FF2B5EF4-FFF2-40B4-BE49-F238E27FC236}">
+                <a16:creationId xmlns:a16="http://schemas.microsoft.com/office/drawing/2014/main" id="{8A1130E8-0ED0-469E-B695-D349CE8DF5E8}"/>
               </a:ext>
             </a:extLst>
           </p:cNvPr>
@@ -5683,45 +6947,67 @@
         </p:nvSpPr>
         <p:spPr>
           <a:xfrm>
-            <a:off x="7852646" y="1379918"/>
-            <a:ext cx="902815" cy="248387"/>
+            <a:off x="6629496" y="2547008"/>
+            <a:ext cx="1007673" cy="639348"/>
           </a:xfrm>
           <a:prstGeom prst="rect">
             <a:avLst/>
           </a:prstGeom>
+          <a:effectLst>
+            <a:outerShdw blurRad="50800" dist="38100" dir="13500000" algn="br" rotWithShape="0">
+              <a:prstClr val="black">
+                <a:alpha val="40000"/>
+              </a:prstClr>
+            </a:outerShdw>
+          </a:effectLst>
         </p:spPr>
         <p:style>
           <a:lnRef idx="2">
-            <a:schemeClr val="accent5"/>
+            <a:schemeClr val="accent3"/>
           </a:lnRef>
           <a:fillRef idx="1">
             <a:schemeClr val="lt1"/>
           </a:fillRef>
           <a:effectRef idx="0">
-            <a:schemeClr val="accent5"/>
+            <a:schemeClr val="accent3"/>
           </a:effectRef>
           <a:fontRef idx="minor">
             <a:schemeClr val="dk1"/>
           </a:fontRef>
         </p:style>
         <p:txBody>
-          <a:bodyPr rtlCol="0" anchor="ctr"/>
-          <a:lstStyle/>
-          <a:p>
-            <a:pPr algn="ctr"/>
-            <a:r>
-              <a:rPr lang="en-AU" dirty="0"/>
-              <a:t>Value</a:t>
-            </a:r>
-          </a:p>
-        </p:txBody>
-      </p:sp>
-      <p:sp>
-        <p:nvSpPr>
-          <p:cNvPr id="84" name="Rectangle 83">
-            <a:extLst>
-              <a:ext uri="{FF2B5EF4-FFF2-40B4-BE49-F238E27FC236}">
-                <a16:creationId xmlns:a16="http://schemas.microsoft.com/office/drawing/2014/main" id="{FD29A03A-62B5-4E6A-8863-CDCC2379B7B8}"/>
+          <a:bodyPr rtlCol="0" anchor="t"/>
+          <a:lstStyle/>
+          <a:p>
+            <a:r>
+              <a:rPr lang="en-AU" sz="1000" b="1" dirty="0"/>
+              <a:t>Block</a:t>
+            </a:r>
+          </a:p>
+          <a:p>
+            <a:r>
+              <a:rPr lang="en-AU" sz="1000" dirty="0"/>
+              <a:t>Context Menu</a:t>
+            </a:r>
+          </a:p>
+          <a:p>
+            <a:pPr marL="171450" indent="-171450">
+              <a:buFont typeface="Arial" panose="020B0604020202020204" pitchFamily="34" charset="0"/>
+              <a:buChar char="•"/>
+            </a:pPr>
+            <a:r>
+              <a:rPr lang="en-AU" sz="1000" dirty="0"/>
+              <a:t>Join</a:t>
+            </a:r>
+          </a:p>
+        </p:txBody>
+      </p:sp>
+      <p:sp>
+        <p:nvSpPr>
+          <p:cNvPr id="97" name="Rectangle 96">
+            <a:extLst>
+              <a:ext uri="{FF2B5EF4-FFF2-40B4-BE49-F238E27FC236}">
+                <a16:creationId xmlns:a16="http://schemas.microsoft.com/office/drawing/2014/main" id="{E3F45A14-5F81-48DF-957F-527E2EAB044B}"/>
               </a:ext>
             </a:extLst>
           </p:cNvPr>
@@ -5730,36 +7016,654 @@
         </p:nvSpPr>
         <p:spPr>
           <a:xfrm>
-            <a:off x="7852647" y="1661442"/>
-            <a:ext cx="902815" cy="248387"/>
+            <a:off x="3852713" y="2296617"/>
+            <a:ext cx="1014341" cy="891053"/>
           </a:xfrm>
           <a:prstGeom prst="rect">
             <a:avLst/>
           </a:prstGeom>
+          <a:effectLst>
+            <a:outerShdw blurRad="50800" dist="38100" dir="13500000" algn="br" rotWithShape="0">
+              <a:prstClr val="black">
+                <a:alpha val="40000"/>
+              </a:prstClr>
+            </a:outerShdw>
+          </a:effectLst>
         </p:spPr>
         <p:style>
           <a:lnRef idx="2">
-            <a:schemeClr val="accent5"/>
+            <a:schemeClr val="accent3"/>
           </a:lnRef>
           <a:fillRef idx="1">
             <a:schemeClr val="lt1"/>
           </a:fillRef>
           <a:effectRef idx="0">
-            <a:schemeClr val="accent5"/>
+            <a:schemeClr val="accent3"/>
           </a:effectRef>
           <a:fontRef idx="minor">
             <a:schemeClr val="dk1"/>
           </a:fontRef>
         </p:style>
         <p:txBody>
+          <a:bodyPr rtlCol="0" anchor="t"/>
+          <a:lstStyle/>
+          <a:p>
+            <a:r>
+              <a:rPr lang="en-AU" sz="1000" b="1" dirty="0"/>
+              <a:t>Scene</a:t>
+            </a:r>
+          </a:p>
+          <a:p>
+            <a:r>
+              <a:rPr lang="en-AU" sz="1000" dirty="0"/>
+              <a:t>Context Menu</a:t>
+            </a:r>
+          </a:p>
+          <a:p>
+            <a:pPr marL="171450" indent="-171450">
+              <a:buFont typeface="Arial" panose="020B0604020202020204" pitchFamily="34" charset="0"/>
+              <a:buChar char="•"/>
+            </a:pPr>
+            <a:r>
+              <a:rPr lang="en-AU" sz="1000" dirty="0"/>
+              <a:t>New Block</a:t>
+            </a:r>
+          </a:p>
+          <a:p>
+            <a:pPr marL="171450" indent="-171450">
+              <a:buFont typeface="Arial" panose="020B0604020202020204" pitchFamily="34" charset="0"/>
+              <a:buChar char="•"/>
+            </a:pPr>
+            <a:r>
+              <a:rPr lang="en-AU" sz="1000" dirty="0"/>
+              <a:t>Select All</a:t>
+            </a:r>
+          </a:p>
+          <a:p>
+            <a:pPr marL="171450" indent="-171450">
+              <a:buFont typeface="Arial" panose="020B0604020202020204" pitchFamily="34" charset="0"/>
+              <a:buChar char="•"/>
+            </a:pPr>
+            <a:r>
+              <a:rPr lang="en-AU" sz="1000" dirty="0"/>
+              <a:t>Select None</a:t>
+            </a:r>
+          </a:p>
+        </p:txBody>
+      </p:sp>
+      <p:sp>
+        <p:nvSpPr>
+          <p:cNvPr id="99" name="Oval 98">
+            <a:extLst>
+              <a:ext uri="{FF2B5EF4-FFF2-40B4-BE49-F238E27FC236}">
+                <a16:creationId xmlns:a16="http://schemas.microsoft.com/office/drawing/2014/main" id="{B25AA505-B6E4-4A3A-80DE-8EAFC054C7C6}"/>
+              </a:ext>
+            </a:extLst>
+          </p:cNvPr>
+          <p:cNvSpPr/>
+          <p:nvPr/>
+        </p:nvSpPr>
+        <p:spPr>
+          <a:xfrm>
+            <a:off x="2345740" y="1516577"/>
+            <a:ext cx="200931" cy="200931"/>
+          </a:xfrm>
+          <a:prstGeom prst="ellipse">
+            <a:avLst/>
+          </a:prstGeom>
+          <a:solidFill>
+            <a:schemeClr val="accent6">
+              <a:lumMod val="20000"/>
+              <a:lumOff val="80000"/>
+            </a:schemeClr>
+          </a:solidFill>
+          <a:effectLst>
+            <a:outerShdw blurRad="50800" dist="38100" dir="13500000" algn="br" rotWithShape="0">
+              <a:prstClr val="black">
+                <a:alpha val="40000"/>
+              </a:prstClr>
+            </a:outerShdw>
+          </a:effectLst>
+          <a:scene3d>
+            <a:camera prst="orthographicFront"/>
+            <a:lightRig rig="threePt" dir="t"/>
+          </a:scene3d>
+          <a:sp3d>
+            <a:bevelT w="114300" prst="artDeco"/>
+          </a:sp3d>
+        </p:spPr>
+        <p:style>
+          <a:lnRef idx="2">
+            <a:schemeClr val="accent3"/>
+          </a:lnRef>
+          <a:fillRef idx="1">
+            <a:schemeClr val="lt1"/>
+          </a:fillRef>
+          <a:effectRef idx="0">
+            <a:schemeClr val="accent3"/>
+          </a:effectRef>
+          <a:fontRef idx="minor">
+            <a:schemeClr val="dk1"/>
+          </a:fontRef>
+        </p:style>
+        <p:txBody>
           <a:bodyPr rtlCol="0" anchor="ctr"/>
           <a:lstStyle/>
           <a:p>
             <a:pPr algn="ctr"/>
-            <a:r>
-              <a:rPr lang="en-AU" dirty="0"/>
-              <a:t>Value</a:t>
-            </a:r>
+            <a:endParaRPr lang="en-AU"/>
+          </a:p>
+        </p:txBody>
+      </p:sp>
+      <p:sp>
+        <p:nvSpPr>
+          <p:cNvPr id="100" name="Oval 99">
+            <a:extLst>
+              <a:ext uri="{FF2B5EF4-FFF2-40B4-BE49-F238E27FC236}">
+                <a16:creationId xmlns:a16="http://schemas.microsoft.com/office/drawing/2014/main" id="{1FCE8BD1-6533-4972-B7C3-201105A75F25}"/>
+              </a:ext>
+            </a:extLst>
+          </p:cNvPr>
+          <p:cNvSpPr/>
+          <p:nvPr/>
+        </p:nvSpPr>
+        <p:spPr>
+          <a:xfrm>
+            <a:off x="3743166" y="2171337"/>
+            <a:ext cx="200931" cy="200931"/>
+          </a:xfrm>
+          <a:prstGeom prst="ellipse">
+            <a:avLst/>
+          </a:prstGeom>
+          <a:solidFill>
+            <a:schemeClr val="accent6">
+              <a:lumMod val="20000"/>
+              <a:lumOff val="80000"/>
+            </a:schemeClr>
+          </a:solidFill>
+          <a:effectLst>
+            <a:outerShdw blurRad="50800" dist="38100" dir="13500000" algn="br" rotWithShape="0">
+              <a:prstClr val="black">
+                <a:alpha val="40000"/>
+              </a:prstClr>
+            </a:outerShdw>
+          </a:effectLst>
+          <a:scene3d>
+            <a:camera prst="orthographicFront"/>
+            <a:lightRig rig="threePt" dir="t"/>
+          </a:scene3d>
+          <a:sp3d>
+            <a:bevelT w="114300" prst="artDeco"/>
+          </a:sp3d>
+        </p:spPr>
+        <p:style>
+          <a:lnRef idx="2">
+            <a:schemeClr val="accent3"/>
+          </a:lnRef>
+          <a:fillRef idx="1">
+            <a:schemeClr val="lt1"/>
+          </a:fillRef>
+          <a:effectRef idx="0">
+            <a:schemeClr val="accent3"/>
+          </a:effectRef>
+          <a:fontRef idx="minor">
+            <a:schemeClr val="dk1"/>
+          </a:fontRef>
+        </p:style>
+        <p:txBody>
+          <a:bodyPr rtlCol="0" anchor="ctr"/>
+          <a:lstStyle/>
+          <a:p>
+            <a:pPr algn="ctr"/>
+            <a:endParaRPr lang="en-AU"/>
+          </a:p>
+        </p:txBody>
+      </p:sp>
+      <p:sp>
+        <p:nvSpPr>
+          <p:cNvPr id="101" name="Oval 100">
+            <a:extLst>
+              <a:ext uri="{FF2B5EF4-FFF2-40B4-BE49-F238E27FC236}">
+                <a16:creationId xmlns:a16="http://schemas.microsoft.com/office/drawing/2014/main" id="{7F24E204-C3CB-4CFE-A719-B4C3E6BC3F4C}"/>
+              </a:ext>
+            </a:extLst>
+          </p:cNvPr>
+          <p:cNvSpPr/>
+          <p:nvPr/>
+        </p:nvSpPr>
+        <p:spPr>
+          <a:xfrm>
+            <a:off x="7015151" y="1099577"/>
+            <a:ext cx="200931" cy="200931"/>
+          </a:xfrm>
+          <a:prstGeom prst="ellipse">
+            <a:avLst/>
+          </a:prstGeom>
+          <a:solidFill>
+            <a:schemeClr val="accent6">
+              <a:lumMod val="20000"/>
+              <a:lumOff val="80000"/>
+            </a:schemeClr>
+          </a:solidFill>
+          <a:effectLst>
+            <a:outerShdw blurRad="50800" dist="38100" dir="13500000" algn="br" rotWithShape="0">
+              <a:prstClr val="black">
+                <a:alpha val="40000"/>
+              </a:prstClr>
+            </a:outerShdw>
+          </a:effectLst>
+          <a:scene3d>
+            <a:camera prst="orthographicFront"/>
+            <a:lightRig rig="threePt" dir="t"/>
+          </a:scene3d>
+          <a:sp3d>
+            <a:bevelT w="114300" prst="artDeco"/>
+          </a:sp3d>
+        </p:spPr>
+        <p:style>
+          <a:lnRef idx="2">
+            <a:schemeClr val="accent3"/>
+          </a:lnRef>
+          <a:fillRef idx="1">
+            <a:schemeClr val="lt1"/>
+          </a:fillRef>
+          <a:effectRef idx="0">
+            <a:schemeClr val="accent3"/>
+          </a:effectRef>
+          <a:fontRef idx="minor">
+            <a:schemeClr val="dk1"/>
+          </a:fontRef>
+        </p:style>
+        <p:txBody>
+          <a:bodyPr rtlCol="0" anchor="ctr"/>
+          <a:lstStyle/>
+          <a:p>
+            <a:pPr algn="ctr"/>
+            <a:endParaRPr lang="en-AU"/>
+          </a:p>
+        </p:txBody>
+      </p:sp>
+      <p:sp>
+        <p:nvSpPr>
+          <p:cNvPr id="102" name="Oval 101">
+            <a:extLst>
+              <a:ext uri="{FF2B5EF4-FFF2-40B4-BE49-F238E27FC236}">
+                <a16:creationId xmlns:a16="http://schemas.microsoft.com/office/drawing/2014/main" id="{1FB1F2CF-1F6D-44F5-BA08-BFBEB694A7A9}"/>
+              </a:ext>
+            </a:extLst>
+          </p:cNvPr>
+          <p:cNvSpPr/>
+          <p:nvPr/>
+        </p:nvSpPr>
+        <p:spPr>
+          <a:xfrm>
+            <a:off x="6525387" y="2460273"/>
+            <a:ext cx="200931" cy="200931"/>
+          </a:xfrm>
+          <a:prstGeom prst="ellipse">
+            <a:avLst/>
+          </a:prstGeom>
+          <a:solidFill>
+            <a:schemeClr val="accent6">
+              <a:lumMod val="20000"/>
+              <a:lumOff val="80000"/>
+            </a:schemeClr>
+          </a:solidFill>
+          <a:effectLst>
+            <a:outerShdw blurRad="50800" dist="38100" dir="13500000" algn="br" rotWithShape="0">
+              <a:prstClr val="black">
+                <a:alpha val="40000"/>
+              </a:prstClr>
+            </a:outerShdw>
+          </a:effectLst>
+          <a:scene3d>
+            <a:camera prst="orthographicFront"/>
+            <a:lightRig rig="threePt" dir="t"/>
+          </a:scene3d>
+          <a:sp3d>
+            <a:bevelT w="114300" prst="artDeco"/>
+          </a:sp3d>
+        </p:spPr>
+        <p:style>
+          <a:lnRef idx="2">
+            <a:schemeClr val="accent3"/>
+          </a:lnRef>
+          <a:fillRef idx="1">
+            <a:schemeClr val="lt1"/>
+          </a:fillRef>
+          <a:effectRef idx="0">
+            <a:schemeClr val="accent3"/>
+          </a:effectRef>
+          <a:fontRef idx="minor">
+            <a:schemeClr val="dk1"/>
+          </a:fontRef>
+        </p:style>
+        <p:txBody>
+          <a:bodyPr rtlCol="0" anchor="ctr"/>
+          <a:lstStyle/>
+          <a:p>
+            <a:pPr algn="ctr"/>
+            <a:endParaRPr lang="en-AU"/>
+          </a:p>
+        </p:txBody>
+      </p:sp>
+      <p:sp>
+        <p:nvSpPr>
+          <p:cNvPr id="103" name="Oval 102">
+            <a:extLst>
+              <a:ext uri="{FF2B5EF4-FFF2-40B4-BE49-F238E27FC236}">
+                <a16:creationId xmlns:a16="http://schemas.microsoft.com/office/drawing/2014/main" id="{553F729D-0EA6-486E-B989-853BCD664CF4}"/>
+              </a:ext>
+            </a:extLst>
+          </p:cNvPr>
+          <p:cNvSpPr/>
+          <p:nvPr/>
+        </p:nvSpPr>
+        <p:spPr>
+          <a:xfrm>
+            <a:off x="10192254" y="647259"/>
+            <a:ext cx="200931" cy="200931"/>
+          </a:xfrm>
+          <a:prstGeom prst="ellipse">
+            <a:avLst/>
+          </a:prstGeom>
+          <a:solidFill>
+            <a:schemeClr val="accent6">
+              <a:lumMod val="20000"/>
+              <a:lumOff val="80000"/>
+            </a:schemeClr>
+          </a:solidFill>
+          <a:effectLst>
+            <a:outerShdw blurRad="50800" dist="38100" dir="13500000" algn="br" rotWithShape="0">
+              <a:prstClr val="black">
+                <a:alpha val="40000"/>
+              </a:prstClr>
+            </a:outerShdw>
+          </a:effectLst>
+          <a:scene3d>
+            <a:camera prst="orthographicFront"/>
+            <a:lightRig rig="threePt" dir="t"/>
+          </a:scene3d>
+          <a:sp3d>
+            <a:bevelT w="114300" prst="artDeco"/>
+          </a:sp3d>
+        </p:spPr>
+        <p:style>
+          <a:lnRef idx="2">
+            <a:schemeClr val="accent3"/>
+          </a:lnRef>
+          <a:fillRef idx="1">
+            <a:schemeClr val="lt1"/>
+          </a:fillRef>
+          <a:effectRef idx="0">
+            <a:schemeClr val="accent3"/>
+          </a:effectRef>
+          <a:fontRef idx="minor">
+            <a:schemeClr val="dk1"/>
+          </a:fontRef>
+        </p:style>
+        <p:txBody>
+          <a:bodyPr rtlCol="0" anchor="ctr"/>
+          <a:lstStyle/>
+          <a:p>
+            <a:pPr algn="ctr"/>
+            <a:endParaRPr lang="en-AU"/>
+          </a:p>
+        </p:txBody>
+      </p:sp>
+      <p:sp>
+        <p:nvSpPr>
+          <p:cNvPr id="104" name="Oval 103">
+            <a:extLst>
+              <a:ext uri="{FF2B5EF4-FFF2-40B4-BE49-F238E27FC236}">
+                <a16:creationId xmlns:a16="http://schemas.microsoft.com/office/drawing/2014/main" id="{D531077F-A0AE-41E7-8C42-C742F0A8F487}"/>
+              </a:ext>
+            </a:extLst>
+          </p:cNvPr>
+          <p:cNvSpPr/>
+          <p:nvPr/>
+        </p:nvSpPr>
+        <p:spPr>
+          <a:xfrm>
+            <a:off x="10391501" y="1214287"/>
+            <a:ext cx="200931" cy="200931"/>
+          </a:xfrm>
+          <a:prstGeom prst="ellipse">
+            <a:avLst/>
+          </a:prstGeom>
+          <a:solidFill>
+            <a:schemeClr val="accent6">
+              <a:lumMod val="20000"/>
+              <a:lumOff val="80000"/>
+            </a:schemeClr>
+          </a:solidFill>
+          <a:effectLst>
+            <a:outerShdw blurRad="50800" dist="38100" dir="13500000" algn="br" rotWithShape="0">
+              <a:prstClr val="black">
+                <a:alpha val="40000"/>
+              </a:prstClr>
+            </a:outerShdw>
+          </a:effectLst>
+          <a:scene3d>
+            <a:camera prst="orthographicFront"/>
+            <a:lightRig rig="threePt" dir="t"/>
+          </a:scene3d>
+          <a:sp3d>
+            <a:bevelT w="114300" prst="artDeco"/>
+          </a:sp3d>
+        </p:spPr>
+        <p:style>
+          <a:lnRef idx="2">
+            <a:schemeClr val="accent3"/>
+          </a:lnRef>
+          <a:fillRef idx="1">
+            <a:schemeClr val="lt1"/>
+          </a:fillRef>
+          <a:effectRef idx="0">
+            <a:schemeClr val="accent3"/>
+          </a:effectRef>
+          <a:fontRef idx="minor">
+            <a:schemeClr val="dk1"/>
+          </a:fontRef>
+        </p:style>
+        <p:txBody>
+          <a:bodyPr rtlCol="0" anchor="ctr"/>
+          <a:lstStyle/>
+          <a:p>
+            <a:pPr algn="ctr"/>
+            <a:endParaRPr lang="en-AU"/>
+          </a:p>
+        </p:txBody>
+      </p:sp>
+      <p:sp>
+        <p:nvSpPr>
+          <p:cNvPr id="105" name="Oval 104">
+            <a:extLst>
+              <a:ext uri="{FF2B5EF4-FFF2-40B4-BE49-F238E27FC236}">
+                <a16:creationId xmlns:a16="http://schemas.microsoft.com/office/drawing/2014/main" id="{DEF9F7B4-4A2A-4EB2-B72C-FC44C2885A7F}"/>
+              </a:ext>
+            </a:extLst>
+          </p:cNvPr>
+          <p:cNvSpPr/>
+          <p:nvPr/>
+        </p:nvSpPr>
+        <p:spPr>
+          <a:xfrm>
+            <a:off x="5022284" y="5210208"/>
+            <a:ext cx="200931" cy="200931"/>
+          </a:xfrm>
+          <a:prstGeom prst="ellipse">
+            <a:avLst/>
+          </a:prstGeom>
+          <a:solidFill>
+            <a:schemeClr val="accent6">
+              <a:lumMod val="20000"/>
+              <a:lumOff val="80000"/>
+            </a:schemeClr>
+          </a:solidFill>
+          <a:effectLst>
+            <a:outerShdw blurRad="50800" dist="38100" dir="13500000" algn="br" rotWithShape="0">
+              <a:prstClr val="black">
+                <a:alpha val="40000"/>
+              </a:prstClr>
+            </a:outerShdw>
+          </a:effectLst>
+          <a:scene3d>
+            <a:camera prst="orthographicFront"/>
+            <a:lightRig rig="threePt" dir="t"/>
+          </a:scene3d>
+          <a:sp3d>
+            <a:bevelT w="114300" prst="artDeco"/>
+          </a:sp3d>
+        </p:spPr>
+        <p:style>
+          <a:lnRef idx="2">
+            <a:schemeClr val="accent3"/>
+          </a:lnRef>
+          <a:fillRef idx="1">
+            <a:schemeClr val="lt1"/>
+          </a:fillRef>
+          <a:effectRef idx="0">
+            <a:schemeClr val="accent3"/>
+          </a:effectRef>
+          <a:fontRef idx="minor">
+            <a:schemeClr val="dk1"/>
+          </a:fontRef>
+        </p:style>
+        <p:txBody>
+          <a:bodyPr rtlCol="0" anchor="ctr"/>
+          <a:lstStyle/>
+          <a:p>
+            <a:pPr algn="ctr"/>
+            <a:endParaRPr lang="en-AU"/>
+          </a:p>
+        </p:txBody>
+      </p:sp>
+      <p:sp>
+        <p:nvSpPr>
+          <p:cNvPr id="106" name="Oval 105">
+            <a:extLst>
+              <a:ext uri="{FF2B5EF4-FFF2-40B4-BE49-F238E27FC236}">
+                <a16:creationId xmlns:a16="http://schemas.microsoft.com/office/drawing/2014/main" id="{A2A41379-CD4A-4F06-B5E9-73657F75EDB3}"/>
+              </a:ext>
+            </a:extLst>
+          </p:cNvPr>
+          <p:cNvSpPr/>
+          <p:nvPr/>
+        </p:nvSpPr>
+        <p:spPr>
+          <a:xfrm>
+            <a:off x="7302304" y="5187861"/>
+            <a:ext cx="200931" cy="200931"/>
+          </a:xfrm>
+          <a:prstGeom prst="ellipse">
+            <a:avLst/>
+          </a:prstGeom>
+          <a:solidFill>
+            <a:schemeClr val="accent6">
+              <a:lumMod val="20000"/>
+              <a:lumOff val="80000"/>
+            </a:schemeClr>
+          </a:solidFill>
+          <a:effectLst>
+            <a:outerShdw blurRad="50800" dist="38100" dir="13500000" algn="br" rotWithShape="0">
+              <a:prstClr val="black">
+                <a:alpha val="40000"/>
+              </a:prstClr>
+            </a:outerShdw>
+          </a:effectLst>
+          <a:scene3d>
+            <a:camera prst="orthographicFront"/>
+            <a:lightRig rig="threePt" dir="t"/>
+          </a:scene3d>
+          <a:sp3d>
+            <a:bevelT w="114300" prst="artDeco"/>
+          </a:sp3d>
+        </p:spPr>
+        <p:style>
+          <a:lnRef idx="2">
+            <a:schemeClr val="accent3"/>
+          </a:lnRef>
+          <a:fillRef idx="1">
+            <a:schemeClr val="lt1"/>
+          </a:fillRef>
+          <a:effectRef idx="0">
+            <a:schemeClr val="accent3"/>
+          </a:effectRef>
+          <a:fontRef idx="minor">
+            <a:schemeClr val="dk1"/>
+          </a:fontRef>
+        </p:style>
+        <p:txBody>
+          <a:bodyPr rtlCol="0" anchor="ctr"/>
+          <a:lstStyle/>
+          <a:p>
+            <a:pPr algn="ctr"/>
+            <a:endParaRPr lang="en-AU"/>
+          </a:p>
+        </p:txBody>
+      </p:sp>
+      <p:sp>
+        <p:nvSpPr>
+          <p:cNvPr id="107" name="Oval 106">
+            <a:extLst>
+              <a:ext uri="{FF2B5EF4-FFF2-40B4-BE49-F238E27FC236}">
+                <a16:creationId xmlns:a16="http://schemas.microsoft.com/office/drawing/2014/main" id="{C600EF4D-2B71-418C-AAE0-81E45313F666}"/>
+              </a:ext>
+            </a:extLst>
+          </p:cNvPr>
+          <p:cNvSpPr/>
+          <p:nvPr/>
+        </p:nvSpPr>
+        <p:spPr>
+          <a:xfrm>
+            <a:off x="9243320" y="5212762"/>
+            <a:ext cx="200931" cy="200931"/>
+          </a:xfrm>
+          <a:prstGeom prst="ellipse">
+            <a:avLst/>
+          </a:prstGeom>
+          <a:solidFill>
+            <a:schemeClr val="accent6">
+              <a:lumMod val="20000"/>
+              <a:lumOff val="80000"/>
+            </a:schemeClr>
+          </a:solidFill>
+          <a:effectLst>
+            <a:outerShdw blurRad="50800" dist="38100" dir="13500000" algn="br" rotWithShape="0">
+              <a:prstClr val="black">
+                <a:alpha val="40000"/>
+              </a:prstClr>
+            </a:outerShdw>
+          </a:effectLst>
+          <a:scene3d>
+            <a:camera prst="orthographicFront"/>
+            <a:lightRig rig="threePt" dir="t"/>
+          </a:scene3d>
+          <a:sp3d>
+            <a:bevelT w="114300" prst="artDeco"/>
+          </a:sp3d>
+        </p:spPr>
+        <p:style>
+          <a:lnRef idx="2">
+            <a:schemeClr val="accent3"/>
+          </a:lnRef>
+          <a:fillRef idx="1">
+            <a:schemeClr val="lt1"/>
+          </a:fillRef>
+          <a:effectRef idx="0">
+            <a:schemeClr val="accent3"/>
+          </a:effectRef>
+          <a:fontRef idx="minor">
+            <a:schemeClr val="dk1"/>
+          </a:fontRef>
+        </p:style>
+        <p:txBody>
+          <a:bodyPr rtlCol="0" anchor="ctr"/>
+          <a:lstStyle/>
+          <a:p>
+            <a:pPr algn="ctr"/>
+            <a:endParaRPr lang="en-AU"/>
           </a:p>
         </p:txBody>
       </p:sp>

--- a/doc/editor.pptx
+++ b/doc/editor.pptx
@@ -261,7 +261,7 @@
           <a:p>
             <a:fld id="{6E919959-57B7-4836-B2A5-8618707C523E}" type="datetimeFigureOut">
               <a:rPr lang="en-AU" smtClean="0"/>
-              <a:t>25/06/2019</a:t>
+              <a:t>29/06/2019</a:t>
             </a:fld>
             <a:endParaRPr lang="en-AU"/>
           </a:p>
@@ -461,7 +461,7 @@
           <a:p>
             <a:fld id="{6E919959-57B7-4836-B2A5-8618707C523E}" type="datetimeFigureOut">
               <a:rPr lang="en-AU" smtClean="0"/>
-              <a:t>25/06/2019</a:t>
+              <a:t>29/06/2019</a:t>
             </a:fld>
             <a:endParaRPr lang="en-AU"/>
           </a:p>
@@ -671,7 +671,7 @@
           <a:p>
             <a:fld id="{6E919959-57B7-4836-B2A5-8618707C523E}" type="datetimeFigureOut">
               <a:rPr lang="en-AU" smtClean="0"/>
-              <a:t>25/06/2019</a:t>
+              <a:t>29/06/2019</a:t>
             </a:fld>
             <a:endParaRPr lang="en-AU"/>
           </a:p>
@@ -871,7 +871,7 @@
           <a:p>
             <a:fld id="{6E919959-57B7-4836-B2A5-8618707C523E}" type="datetimeFigureOut">
               <a:rPr lang="en-AU" smtClean="0"/>
-              <a:t>25/06/2019</a:t>
+              <a:t>29/06/2019</a:t>
             </a:fld>
             <a:endParaRPr lang="en-AU"/>
           </a:p>
@@ -1147,7 +1147,7 @@
           <a:p>
             <a:fld id="{6E919959-57B7-4836-B2A5-8618707C523E}" type="datetimeFigureOut">
               <a:rPr lang="en-AU" smtClean="0"/>
-              <a:t>25/06/2019</a:t>
+              <a:t>29/06/2019</a:t>
             </a:fld>
             <a:endParaRPr lang="en-AU"/>
           </a:p>
@@ -1415,7 +1415,7 @@
           <a:p>
             <a:fld id="{6E919959-57B7-4836-B2A5-8618707C523E}" type="datetimeFigureOut">
               <a:rPr lang="en-AU" smtClean="0"/>
-              <a:t>25/06/2019</a:t>
+              <a:t>29/06/2019</a:t>
             </a:fld>
             <a:endParaRPr lang="en-AU"/>
           </a:p>
@@ -1830,7 +1830,7 @@
           <a:p>
             <a:fld id="{6E919959-57B7-4836-B2A5-8618707C523E}" type="datetimeFigureOut">
               <a:rPr lang="en-AU" smtClean="0"/>
-              <a:t>25/06/2019</a:t>
+              <a:t>29/06/2019</a:t>
             </a:fld>
             <a:endParaRPr lang="en-AU"/>
           </a:p>
@@ -1972,7 +1972,7 @@
           <a:p>
             <a:fld id="{6E919959-57B7-4836-B2A5-8618707C523E}" type="datetimeFigureOut">
               <a:rPr lang="en-AU" smtClean="0"/>
-              <a:t>25/06/2019</a:t>
+              <a:t>29/06/2019</a:t>
             </a:fld>
             <a:endParaRPr lang="en-AU"/>
           </a:p>
@@ -2085,7 +2085,7 @@
           <a:p>
             <a:fld id="{6E919959-57B7-4836-B2A5-8618707C523E}" type="datetimeFigureOut">
               <a:rPr lang="en-AU" smtClean="0"/>
-              <a:t>25/06/2019</a:t>
+              <a:t>29/06/2019</a:t>
             </a:fld>
             <a:endParaRPr lang="en-AU"/>
           </a:p>
@@ -2398,7 +2398,7 @@
           <a:p>
             <a:fld id="{6E919959-57B7-4836-B2A5-8618707C523E}" type="datetimeFigureOut">
               <a:rPr lang="en-AU" smtClean="0"/>
-              <a:t>25/06/2019</a:t>
+              <a:t>29/06/2019</a:t>
             </a:fld>
             <a:endParaRPr lang="en-AU"/>
           </a:p>
@@ -2687,7 +2687,7 @@
           <a:p>
             <a:fld id="{6E919959-57B7-4836-B2A5-8618707C523E}" type="datetimeFigureOut">
               <a:rPr lang="en-AU" smtClean="0"/>
-              <a:t>25/06/2019</a:t>
+              <a:t>29/06/2019</a:t>
             </a:fld>
             <a:endParaRPr lang="en-AU"/>
           </a:p>
@@ -2930,7 +2930,7 @@
           <a:p>
             <a:fld id="{6E919959-57B7-4836-B2A5-8618707C523E}" type="datetimeFigureOut">
               <a:rPr lang="en-AU" smtClean="0"/>
-              <a:t>25/06/2019</a:t>
+              <a:t>29/06/2019</a:t>
             </a:fld>
             <a:endParaRPr lang="en-AU"/>
           </a:p>
@@ -4357,8 +4357,8 @@
         </p:nvSpPr>
         <p:spPr>
           <a:xfrm>
-            <a:off x="194254" y="3637617"/>
-            <a:ext cx="11666150" cy="2900510"/>
+            <a:off x="194254" y="3555991"/>
+            <a:ext cx="11666150" cy="2250331"/>
           </a:xfrm>
           <a:prstGeom prst="rect">
             <a:avLst/>
@@ -4403,7 +4403,7 @@
         </p:nvSpPr>
         <p:spPr>
           <a:xfrm>
-            <a:off x="335921" y="4065303"/>
+            <a:off x="335921" y="3881134"/>
             <a:ext cx="11417301" cy="367785"/>
           </a:xfrm>
           <a:prstGeom prst="rect">
@@ -4449,7 +4449,7 @@
         </p:nvSpPr>
         <p:spPr>
           <a:xfrm>
-            <a:off x="402886" y="4127100"/>
+            <a:off x="402886" y="3942931"/>
             <a:ext cx="940108" cy="242666"/>
           </a:xfrm>
           <a:prstGeom prst="rect">
@@ -4497,7 +4497,7 @@
         </p:nvSpPr>
         <p:spPr>
           <a:xfrm>
-            <a:off x="333975" y="4938427"/>
+            <a:off x="333975" y="4754258"/>
             <a:ext cx="492370" cy="492370"/>
           </a:xfrm>
           <a:prstGeom prst="rect">
@@ -4559,7 +4559,7 @@
         </p:nvSpPr>
         <p:spPr>
           <a:xfrm>
-            <a:off x="1784632" y="4537580"/>
+            <a:off x="1784632" y="4353411"/>
             <a:ext cx="9964264" cy="242666"/>
           </a:xfrm>
           <a:prstGeom prst="rect">
@@ -4607,7 +4607,7 @@
         </p:nvSpPr>
         <p:spPr>
           <a:xfrm>
-            <a:off x="3247719" y="4503637"/>
+            <a:off x="3247719" y="4319468"/>
             <a:ext cx="262505" cy="291403"/>
           </a:xfrm>
           <a:prstGeom prst="downArrow">
@@ -4658,7 +4658,7 @@
         </p:nvSpPr>
         <p:spPr>
           <a:xfrm>
-            <a:off x="3461458" y="4526733"/>
+            <a:off x="3461458" y="4342564"/>
             <a:ext cx="639744" cy="246221"/>
           </a:xfrm>
           <a:prstGeom prst="rect">
@@ -4694,7 +4694,7 @@
         </p:nvSpPr>
         <p:spPr>
           <a:xfrm>
-            <a:off x="856395" y="5442825"/>
+            <a:off x="856395" y="5258656"/>
             <a:ext cx="492370" cy="492370"/>
           </a:xfrm>
           <a:prstGeom prst="rect">
@@ -4742,68 +4742,6 @@
           </a:p>
         </p:txBody>
       </p:sp>
-      <p:sp>
-        <p:nvSpPr>
-          <p:cNvPr id="58" name="Rectangle 57">
-            <a:extLst>
-              <a:ext uri="{FF2B5EF4-FFF2-40B4-BE49-F238E27FC236}">
-                <a16:creationId xmlns:a16="http://schemas.microsoft.com/office/drawing/2014/main" id="{ECD56DB8-EED7-45B8-9FEC-FD3EE14B991D}"/>
-              </a:ext>
-            </a:extLst>
-          </p:cNvPr>
-          <p:cNvSpPr/>
-          <p:nvPr/>
-        </p:nvSpPr>
-        <p:spPr>
-          <a:xfrm>
-            <a:off x="856395" y="5990491"/>
-            <a:ext cx="492370" cy="492370"/>
-          </a:xfrm>
-          <a:prstGeom prst="rect">
-            <a:avLst/>
-          </a:prstGeom>
-          <a:effectLst>
-            <a:outerShdw blurRad="50800" dist="38100" dir="2700000" algn="tl" rotWithShape="0">
-              <a:prstClr val="black">
-                <a:alpha val="40000"/>
-              </a:prstClr>
-            </a:outerShdw>
-          </a:effectLst>
-          <a:scene3d>
-            <a:camera prst="orthographicFront"/>
-            <a:lightRig rig="threePt" dir="t"/>
-          </a:scene3d>
-          <a:sp3d>
-            <a:bevelT w="165100" prst="coolSlant"/>
-          </a:sp3d>
-        </p:spPr>
-        <p:style>
-          <a:lnRef idx="1">
-            <a:schemeClr val="accent5"/>
-          </a:lnRef>
-          <a:fillRef idx="2">
-            <a:schemeClr val="accent5"/>
-          </a:fillRef>
-          <a:effectRef idx="1">
-            <a:schemeClr val="accent5"/>
-          </a:effectRef>
-          <a:fontRef idx="minor">
-            <a:schemeClr val="dk1"/>
-          </a:fontRef>
-        </p:style>
-        <p:txBody>
-          <a:bodyPr rtlCol="0" anchor="ctr"/>
-          <a:lstStyle/>
-          <a:p>
-            <a:pPr algn="ctr"/>
-            <a:r>
-              <a:rPr lang="en-GB" sz="800" dirty="0"/>
-              <a:t>Puppet</a:t>
-            </a:r>
-            <a:endParaRPr lang="en-AU" sz="800" dirty="0"/>
-          </a:p>
-        </p:txBody>
-      </p:sp>
       <p:cxnSp>
         <p:nvCxnSpPr>
           <p:cNvPr id="59" name="Straight Connector 58">
@@ -4820,7 +4758,7 @@
         </p:nvCxnSpPr>
         <p:spPr>
           <a:xfrm flipH="1">
-            <a:off x="872942" y="5441150"/>
+            <a:off x="872942" y="5256981"/>
             <a:ext cx="10875954" cy="0"/>
           </a:xfrm>
           <a:prstGeom prst="line">
@@ -4861,7 +4799,7 @@
         </p:nvCxnSpPr>
         <p:spPr>
           <a:xfrm flipH="1">
-            <a:off x="872942" y="5983760"/>
+            <a:off x="872942" y="5799591"/>
             <a:ext cx="10875954" cy="0"/>
           </a:xfrm>
           <a:prstGeom prst="line">
@@ -4902,7 +4840,7 @@
         </p:nvCxnSpPr>
         <p:spPr>
           <a:xfrm flipH="1">
-            <a:off x="331596" y="4913612"/>
+            <a:off x="331596" y="4729443"/>
             <a:ext cx="11417300" cy="0"/>
           </a:xfrm>
           <a:prstGeom prst="line">
@@ -4941,7 +4879,7 @@
         </p:nvSpPr>
         <p:spPr>
           <a:xfrm>
-            <a:off x="1835501" y="4975697"/>
+            <a:off x="1835501" y="4791528"/>
             <a:ext cx="9913395" cy="160699"/>
           </a:xfrm>
           <a:prstGeom prst="rect">
@@ -4996,7 +4934,7 @@
         </p:nvSpPr>
         <p:spPr>
           <a:xfrm>
-            <a:off x="1389879" y="4952048"/>
+            <a:off x="1389879" y="4767879"/>
             <a:ext cx="441631" cy="246221"/>
           </a:xfrm>
           <a:prstGeom prst="rect">
@@ -5033,7 +4971,7 @@
         </p:nvSpPr>
         <p:spPr>
           <a:xfrm>
-            <a:off x="1224011" y="5179650"/>
+            <a:off x="1224011" y="4995481"/>
             <a:ext cx="608062" cy="246221"/>
           </a:xfrm>
           <a:prstGeom prst="rect">
@@ -5070,7 +5008,7 @@
         </p:nvSpPr>
         <p:spPr>
           <a:xfrm>
-            <a:off x="1835501" y="5206658"/>
+            <a:off x="1835501" y="5022489"/>
             <a:ext cx="9913395" cy="157340"/>
           </a:xfrm>
           <a:prstGeom prst="rect">
@@ -5127,8 +5065,8 @@
         </p:nvCxnSpPr>
         <p:spPr>
           <a:xfrm>
-            <a:off x="1784632" y="4433088"/>
-            <a:ext cx="0" cy="2074894"/>
+            <a:off x="1784632" y="4248919"/>
+            <a:ext cx="0" cy="1546746"/>
           </a:xfrm>
           <a:prstGeom prst="line">
             <a:avLst/>
@@ -5173,9 +5111,9 @@
           <p:nvPr/>
         </p:nvCxnSpPr>
         <p:spPr>
-          <a:xfrm>
-            <a:off x="11753294" y="4433088"/>
-            <a:ext cx="0" cy="2074894"/>
+          <a:xfrm flipH="1">
+            <a:off x="11748896" y="4248919"/>
+            <a:ext cx="4398" cy="1557403"/>
           </a:xfrm>
           <a:prstGeom prst="line">
             <a:avLst/>
@@ -5219,7 +5157,7 @@
         </p:nvSpPr>
         <p:spPr>
           <a:xfrm>
-            <a:off x="2789797" y="4989982"/>
+            <a:off x="2789797" y="4805813"/>
             <a:ext cx="1812053" cy="145628"/>
           </a:xfrm>
           <a:prstGeom prst="roundRect">
@@ -5265,7 +5203,7 @@
         </p:nvSpPr>
         <p:spPr>
           <a:xfrm>
-            <a:off x="2751606" y="4958586"/>
+            <a:off x="2751606" y="4774417"/>
             <a:ext cx="200931" cy="200931"/>
           </a:xfrm>
           <a:prstGeom prst="ellipse">
@@ -5324,7 +5262,7 @@
         </p:nvSpPr>
         <p:spPr>
           <a:xfrm>
-            <a:off x="3375011" y="4952297"/>
+            <a:off x="3375011" y="4768128"/>
             <a:ext cx="200931" cy="200931"/>
           </a:xfrm>
           <a:prstGeom prst="ellipse">
@@ -5375,7 +5313,7 @@
         </p:nvSpPr>
         <p:spPr>
           <a:xfrm>
-            <a:off x="4589472" y="4986633"/>
+            <a:off x="4589472" y="4802464"/>
             <a:ext cx="1476384" cy="157340"/>
           </a:xfrm>
           <a:prstGeom prst="roundRect">
@@ -5419,7 +5357,7 @@
         </p:nvSpPr>
         <p:spPr>
           <a:xfrm>
-            <a:off x="4469590" y="4955580"/>
+            <a:off x="4469590" y="4771411"/>
             <a:ext cx="200931" cy="200931"/>
           </a:xfrm>
           <a:prstGeom prst="ellipse">
@@ -5470,7 +5408,7 @@
         </p:nvSpPr>
         <p:spPr>
           <a:xfrm>
-            <a:off x="6021301" y="4953816"/>
+            <a:off x="6021301" y="4769647"/>
             <a:ext cx="200931" cy="200931"/>
           </a:xfrm>
           <a:prstGeom prst="ellipse">
@@ -5718,8 +5656,8 @@
         </p:nvCxnSpPr>
         <p:spPr>
           <a:xfrm flipH="1">
-            <a:off x="3375012" y="4795040"/>
-            <a:ext cx="3960" cy="1743087"/>
+            <a:off x="3375011" y="4610871"/>
+            <a:ext cx="3961" cy="1184794"/>
           </a:xfrm>
           <a:prstGeom prst="line">
             <a:avLst/>
@@ -5763,7 +5701,7 @@
         </p:nvSpPr>
         <p:spPr>
           <a:xfrm>
-            <a:off x="7328176" y="5210007"/>
+            <a:off x="7328176" y="5025838"/>
             <a:ext cx="1812053" cy="145628"/>
           </a:xfrm>
           <a:prstGeom prst="roundRect">
@@ -5809,7 +5747,7 @@
         </p:nvSpPr>
         <p:spPr>
           <a:xfrm>
-            <a:off x="7289985" y="5178611"/>
+            <a:off x="7289985" y="4994442"/>
             <a:ext cx="200931" cy="200931"/>
           </a:xfrm>
           <a:prstGeom prst="ellipse">
@@ -5868,7 +5806,7 @@
         </p:nvSpPr>
         <p:spPr>
           <a:xfrm>
-            <a:off x="7913390" y="5172322"/>
+            <a:off x="7913390" y="4988153"/>
             <a:ext cx="200931" cy="200931"/>
           </a:xfrm>
           <a:prstGeom prst="ellipse">
@@ -5919,7 +5857,7 @@
         </p:nvSpPr>
         <p:spPr>
           <a:xfrm>
-            <a:off x="9127851" y="5206658"/>
+            <a:off x="9127851" y="5022489"/>
             <a:ext cx="1476384" cy="157340"/>
           </a:xfrm>
           <a:prstGeom prst="roundRect">
@@ -5963,7 +5901,7 @@
         </p:nvSpPr>
         <p:spPr>
           <a:xfrm>
-            <a:off x="9007969" y="5175605"/>
+            <a:off x="9007969" y="4991436"/>
             <a:ext cx="200931" cy="200931"/>
           </a:xfrm>
           <a:prstGeom prst="ellipse">
@@ -6014,7 +5952,7 @@
         </p:nvSpPr>
         <p:spPr>
           <a:xfrm>
-            <a:off x="10559680" y="5173841"/>
+            <a:off x="10559680" y="4989672"/>
             <a:ext cx="200931" cy="200931"/>
           </a:xfrm>
           <a:prstGeom prst="ellipse">
@@ -6065,7 +6003,7 @@
         </p:nvSpPr>
         <p:spPr>
           <a:xfrm>
-            <a:off x="7717917" y="5005526"/>
+            <a:off x="7717917" y="4821357"/>
             <a:ext cx="1812053" cy="145628"/>
           </a:xfrm>
           <a:prstGeom prst="roundRect">
@@ -6111,7 +6049,7 @@
         </p:nvSpPr>
         <p:spPr>
           <a:xfrm>
-            <a:off x="7679726" y="4974130"/>
+            <a:off x="7679726" y="4789961"/>
             <a:ext cx="200931" cy="200931"/>
           </a:xfrm>
           <a:prstGeom prst="ellipse">
@@ -6170,7 +6108,7 @@
         </p:nvSpPr>
         <p:spPr>
           <a:xfrm>
-            <a:off x="8303131" y="4967841"/>
+            <a:off x="8303131" y="4783672"/>
             <a:ext cx="200931" cy="200931"/>
           </a:xfrm>
           <a:prstGeom prst="ellipse">
@@ -6221,7 +6159,7 @@
         </p:nvSpPr>
         <p:spPr>
           <a:xfrm>
-            <a:off x="9517592" y="5002177"/>
+            <a:off x="9517592" y="4818008"/>
             <a:ext cx="1476384" cy="157340"/>
           </a:xfrm>
           <a:prstGeom prst="roundRect">
@@ -6265,7 +6203,7 @@
         </p:nvSpPr>
         <p:spPr>
           <a:xfrm>
-            <a:off x="9397710" y="4971124"/>
+            <a:off x="9397710" y="4786955"/>
             <a:ext cx="200931" cy="200931"/>
           </a:xfrm>
           <a:prstGeom prst="ellipse">
@@ -6316,7 +6254,7 @@
         </p:nvSpPr>
         <p:spPr>
           <a:xfrm>
-            <a:off x="10949421" y="4969360"/>
+            <a:off x="10949421" y="4785191"/>
             <a:ext cx="200931" cy="200931"/>
           </a:xfrm>
           <a:prstGeom prst="ellipse">
@@ -6367,7 +6305,7 @@
         </p:nvSpPr>
         <p:spPr>
           <a:xfrm>
-            <a:off x="5141845" y="5294400"/>
+            <a:off x="5141845" y="5110231"/>
             <a:ext cx="1155457" cy="576140"/>
           </a:xfrm>
           <a:prstGeom prst="rect">
@@ -6436,7 +6374,7 @@
         </p:nvSpPr>
         <p:spPr>
           <a:xfrm>
-            <a:off x="7363010" y="5278327"/>
+            <a:off x="3498534" y="4884384"/>
             <a:ext cx="936161" cy="911281"/>
           </a:xfrm>
           <a:prstGeom prst="rect">
@@ -6831,7 +6769,7 @@
         </p:nvSpPr>
         <p:spPr>
           <a:xfrm>
-            <a:off x="9332569" y="5292307"/>
+            <a:off x="9332569" y="5108138"/>
             <a:ext cx="1177206" cy="620079"/>
           </a:xfrm>
           <a:prstGeom prst="rect">
@@ -7489,7 +7427,7 @@
         </p:nvSpPr>
         <p:spPr>
           <a:xfrm>
-            <a:off x="5022284" y="5210208"/>
+            <a:off x="5022284" y="5026039"/>
             <a:ext cx="200931" cy="200931"/>
           </a:xfrm>
           <a:prstGeom prst="ellipse">
@@ -7553,7 +7491,7 @@
         </p:nvSpPr>
         <p:spPr>
           <a:xfrm>
-            <a:off x="7302304" y="5187861"/>
+            <a:off x="3437828" y="4793918"/>
             <a:ext cx="200931" cy="200931"/>
           </a:xfrm>
           <a:prstGeom prst="ellipse">
@@ -7617,7 +7555,7 @@
         </p:nvSpPr>
         <p:spPr>
           <a:xfrm>
-            <a:off x="9243320" y="5212762"/>
+            <a:off x="9243320" y="5028593"/>
             <a:ext cx="200931" cy="200931"/>
           </a:xfrm>
           <a:prstGeom prst="ellipse">
@@ -7664,6 +7602,296 @@
           <a:p>
             <a:pPr algn="ctr"/>
             <a:endParaRPr lang="en-AU"/>
+          </a:p>
+        </p:txBody>
+      </p:sp>
+      <p:sp>
+        <p:nvSpPr>
+          <p:cNvPr id="98" name="Rectangle 97">
+            <a:extLst>
+              <a:ext uri="{FF2B5EF4-FFF2-40B4-BE49-F238E27FC236}">
+                <a16:creationId xmlns:a16="http://schemas.microsoft.com/office/drawing/2014/main" id="{361E18B3-53C5-49F0-8EC2-A7D9BB82D8C5}"/>
+              </a:ext>
+            </a:extLst>
+          </p:cNvPr>
+          <p:cNvSpPr/>
+          <p:nvPr/>
+        </p:nvSpPr>
+        <p:spPr>
+          <a:xfrm>
+            <a:off x="207171" y="5879857"/>
+            <a:ext cx="11666150" cy="805511"/>
+          </a:xfrm>
+          <a:prstGeom prst="rect">
+            <a:avLst/>
+          </a:prstGeom>
+        </p:spPr>
+        <p:style>
+          <a:lnRef idx="1">
+            <a:schemeClr val="accent1"/>
+          </a:lnRef>
+          <a:fillRef idx="2">
+            <a:schemeClr val="accent1"/>
+          </a:fillRef>
+          <a:effectRef idx="1">
+            <a:schemeClr val="accent1"/>
+          </a:effectRef>
+          <a:fontRef idx="minor">
+            <a:schemeClr val="dk1"/>
+          </a:fontRef>
+        </p:style>
+        <p:txBody>
+          <a:bodyPr rtlCol="0" anchor="t"/>
+          <a:lstStyle/>
+          <a:p>
+            <a:r>
+              <a:rPr lang="en-AU" dirty="0"/>
+              <a:t>Node View</a:t>
+            </a:r>
+          </a:p>
+        </p:txBody>
+      </p:sp>
+      <p:sp>
+        <p:nvSpPr>
+          <p:cNvPr id="22" name="TextBox 21">
+            <a:extLst>
+              <a:ext uri="{FF2B5EF4-FFF2-40B4-BE49-F238E27FC236}">
+                <a16:creationId xmlns:a16="http://schemas.microsoft.com/office/drawing/2014/main" id="{FE9899E3-611B-414A-8E5B-4964145DFCC7}"/>
+              </a:ext>
+            </a:extLst>
+          </p:cNvPr>
+          <p:cNvSpPr txBox="1"/>
+          <p:nvPr/>
+        </p:nvSpPr>
+        <p:spPr>
+          <a:xfrm>
+            <a:off x="-1397365" y="4819752"/>
+            <a:ext cx="1636935" cy="369332"/>
+          </a:xfrm>
+          <a:prstGeom prst="rect">
+            <a:avLst/>
+          </a:prstGeom>
+        </p:spPr>
+        <p:style>
+          <a:lnRef idx="0">
+            <a:schemeClr val="accent4"/>
+          </a:lnRef>
+          <a:fillRef idx="3">
+            <a:schemeClr val="accent4"/>
+          </a:fillRef>
+          <a:effectRef idx="3">
+            <a:schemeClr val="accent4"/>
+          </a:effectRef>
+          <a:fontRef idx="minor">
+            <a:schemeClr val="lt1"/>
+          </a:fontRef>
+        </p:style>
+        <p:txBody>
+          <a:bodyPr wrap="square" rtlCol="0">
+            <a:spAutoFit/>
+          </a:bodyPr>
+          <a:lstStyle/>
+          <a:p>
+            <a:r>
+              <a:rPr lang="en-AU" dirty="0"/>
+              <a:t>Thing Selected</a:t>
+            </a:r>
+          </a:p>
+        </p:txBody>
+      </p:sp>
+      <p:sp>
+        <p:nvSpPr>
+          <p:cNvPr id="108" name="TextBox 107">
+            <a:extLst>
+              <a:ext uri="{FF2B5EF4-FFF2-40B4-BE49-F238E27FC236}">
+                <a16:creationId xmlns:a16="http://schemas.microsoft.com/office/drawing/2014/main" id="{87C5705C-2DFB-45A7-BDFE-7579B402C473}"/>
+              </a:ext>
+            </a:extLst>
+          </p:cNvPr>
+          <p:cNvSpPr txBox="1"/>
+          <p:nvPr/>
+        </p:nvSpPr>
+        <p:spPr>
+          <a:xfrm>
+            <a:off x="11873321" y="3574682"/>
+            <a:ext cx="2181823" cy="646331"/>
+          </a:xfrm>
+          <a:prstGeom prst="rect">
+            <a:avLst/>
+          </a:prstGeom>
+        </p:spPr>
+        <p:style>
+          <a:lnRef idx="0">
+            <a:schemeClr val="accent4"/>
+          </a:lnRef>
+          <a:fillRef idx="3">
+            <a:schemeClr val="accent4"/>
+          </a:fillRef>
+          <a:effectRef idx="3">
+            <a:schemeClr val="accent4"/>
+          </a:effectRef>
+          <a:fontRef idx="minor">
+            <a:schemeClr val="lt1"/>
+          </a:fontRef>
+        </p:style>
+        <p:txBody>
+          <a:bodyPr wrap="square" rtlCol="0">
+            <a:spAutoFit/>
+          </a:bodyPr>
+          <a:lstStyle/>
+          <a:p>
+            <a:r>
+              <a:rPr lang="en-AU" sz="1200" dirty="0"/>
+              <a:t>Properties that are animated create channels for </a:t>
+            </a:r>
+            <a:r>
+              <a:rPr lang="en-AU" sz="1200" b="1" dirty="0"/>
+              <a:t>Thing Selected</a:t>
+            </a:r>
+          </a:p>
+        </p:txBody>
+      </p:sp>
+      <p:sp>
+        <p:nvSpPr>
+          <p:cNvPr id="109" name="TextBox 108">
+            <a:extLst>
+              <a:ext uri="{FF2B5EF4-FFF2-40B4-BE49-F238E27FC236}">
+                <a16:creationId xmlns:a16="http://schemas.microsoft.com/office/drawing/2014/main" id="{B3190842-9155-41DD-B2F9-7CAAF982F57E}"/>
+              </a:ext>
+            </a:extLst>
+          </p:cNvPr>
+          <p:cNvSpPr txBox="1"/>
+          <p:nvPr/>
+        </p:nvSpPr>
+        <p:spPr>
+          <a:xfrm>
+            <a:off x="9917013" y="2388866"/>
+            <a:ext cx="1636935" cy="584775"/>
+          </a:xfrm>
+          <a:prstGeom prst="rect">
+            <a:avLst/>
+          </a:prstGeom>
+        </p:spPr>
+        <p:style>
+          <a:lnRef idx="0">
+            <a:schemeClr val="accent4"/>
+          </a:lnRef>
+          <a:fillRef idx="3">
+            <a:schemeClr val="accent4"/>
+          </a:fillRef>
+          <a:effectRef idx="3">
+            <a:schemeClr val="accent4"/>
+          </a:effectRef>
+          <a:fontRef idx="minor">
+            <a:schemeClr val="lt1"/>
+          </a:fontRef>
+        </p:style>
+        <p:txBody>
+          <a:bodyPr wrap="square" rtlCol="0">
+            <a:spAutoFit/>
+          </a:bodyPr>
+          <a:lstStyle/>
+          <a:p>
+            <a:r>
+              <a:rPr lang="en-AU" sz="1600" dirty="0"/>
+              <a:t>Properties of Thing Selected</a:t>
+            </a:r>
+          </a:p>
+        </p:txBody>
+      </p:sp>
+      <p:sp>
+        <p:nvSpPr>
+          <p:cNvPr id="111" name="TextBox 110">
+            <a:extLst>
+              <a:ext uri="{FF2B5EF4-FFF2-40B4-BE49-F238E27FC236}">
+                <a16:creationId xmlns:a16="http://schemas.microsoft.com/office/drawing/2014/main" id="{C33A6353-AD98-495E-BC5F-F944F4226177}"/>
+              </a:ext>
+            </a:extLst>
+          </p:cNvPr>
+          <p:cNvSpPr txBox="1"/>
+          <p:nvPr/>
+        </p:nvSpPr>
+        <p:spPr>
+          <a:xfrm>
+            <a:off x="6222232" y="3065055"/>
+            <a:ext cx="2145211" cy="369332"/>
+          </a:xfrm>
+          <a:prstGeom prst="rect">
+            <a:avLst/>
+          </a:prstGeom>
+        </p:spPr>
+        <p:style>
+          <a:lnRef idx="0">
+            <a:schemeClr val="accent4"/>
+          </a:lnRef>
+          <a:fillRef idx="3">
+            <a:schemeClr val="accent4"/>
+          </a:fillRef>
+          <a:effectRef idx="3">
+            <a:schemeClr val="accent4"/>
+          </a:effectRef>
+          <a:fontRef idx="minor">
+            <a:schemeClr val="lt1"/>
+          </a:fontRef>
+        </p:style>
+        <p:txBody>
+          <a:bodyPr wrap="square" rtlCol="0">
+            <a:spAutoFit/>
+          </a:bodyPr>
+          <a:lstStyle/>
+          <a:p>
+            <a:r>
+              <a:rPr lang="en-AU" dirty="0"/>
+              <a:t>Thing Selected</a:t>
+            </a:r>
+          </a:p>
+        </p:txBody>
+      </p:sp>
+      <p:sp>
+        <p:nvSpPr>
+          <p:cNvPr id="112" name="TextBox 111">
+            <a:extLst>
+              <a:ext uri="{FF2B5EF4-FFF2-40B4-BE49-F238E27FC236}">
+                <a16:creationId xmlns:a16="http://schemas.microsoft.com/office/drawing/2014/main" id="{B12C5F18-F6BD-4E75-9367-6806E0C33163}"/>
+              </a:ext>
+            </a:extLst>
+          </p:cNvPr>
+          <p:cNvSpPr txBox="1"/>
+          <p:nvPr/>
+        </p:nvSpPr>
+        <p:spPr>
+          <a:xfrm>
+            <a:off x="1142231" y="1024522"/>
+            <a:ext cx="1094402" cy="369332"/>
+          </a:xfrm>
+          <a:prstGeom prst="rect">
+            <a:avLst/>
+          </a:prstGeom>
+        </p:spPr>
+        <p:style>
+          <a:lnRef idx="0">
+            <a:schemeClr val="accent4"/>
+          </a:lnRef>
+          <a:fillRef idx="3">
+            <a:schemeClr val="accent4"/>
+          </a:fillRef>
+          <a:effectRef idx="3">
+            <a:schemeClr val="accent4"/>
+          </a:effectRef>
+          <a:fontRef idx="minor">
+            <a:schemeClr val="lt1"/>
+          </a:fontRef>
+        </p:style>
+        <p:txBody>
+          <a:bodyPr wrap="square" rtlCol="0">
+            <a:spAutoFit/>
+          </a:bodyPr>
+          <a:lstStyle/>
+          <a:p>
+            <a:r>
+              <a:rPr lang="en-AU" dirty="0"/>
+              <a:t>or Scenes</a:t>
+            </a:r>
           </a:p>
         </p:txBody>
       </p:sp>
